--- a/Notebooks/English/05 - Active Directory/06 - Collaborate by using guest accounts and Azure Active Directory B2B - Learn  Microsoft Docs.pptx
+++ b/Notebooks/English/05 - Active Directory/06 - Collaborate by using guest accounts and Azure Active Directory B2B - Learn  Microsoft Docs.pptx
@@ -1,20 +1,23 @@
 
 <file path=ppt/presentation.xml><?xml version="1.0" encoding="utf-8"?>
-<p:presentation xmlns:a="http://schemas.openxmlformats.org/drawingml/2006/main" xmlns:r="http://schemas.openxmlformats.org/officeDocument/2006/relationships" xmlns:p="http://schemas.openxmlformats.org/presentationml/2006/main" saveSubsetFonts="1" autoCompressPictures="0">
+<p:presentation xmlns:a="http://schemas.openxmlformats.org/drawingml/2006/main" xmlns:p="http://schemas.openxmlformats.org/presentationml/2006/main" xmlns:r="http://schemas.openxmlformats.org/officeDocument/2006/relationships" autoCompressPictures="0" saveSubsetFonts="1">
   <p:sldMasterIdLst>
     <p:sldMasterId id="2147483648" r:id="rId1"/>
   </p:sldMasterIdLst>
   <p:sldIdLst>
-    <p:sldId id="256" r:id="rId7"/>
+    <p:sldId id="256" r:id="rId2"/>
+    <p:sldId id="257" r:id="rId3"/>
+    <p:sldId id="258" r:id="rId4"/>
+    <p:sldId id="259" r:id="rId5"/>
   </p:sldIdLst>
-  <p:sldSz cx="9144000" cy="6858000" type="screen4x3"/>
+  <p:sldSz cx="9144000" cy="5143500" type="screen16x9"/>
   <p:notesSz cx="6858000" cy="9144000"/>
   <p:defaultTextStyle>
     <a:defPPr>
       <a:defRPr lang="en-US"/>
     </a:defPPr>
-    <a:lvl1pPr marL="0" algn="l" defTabSz="457200" rtl="0" eaLnBrk="1" latinLnBrk="0" hangingPunct="1">
-      <a:defRPr sz="1800" kern="1200">
+    <a:lvl1pPr algn="l" defTabSz="457200" eaLnBrk="1" hangingPunct="1" latinLnBrk="0" marL="0" rtl="0">
+      <a:defRPr kern="1200" sz="1800">
         <a:solidFill>
           <a:schemeClr val="tx1"/>
         </a:solidFill>
@@ -23,8 +26,8 @@
         <a:cs typeface="+mn-cs"/>
       </a:defRPr>
     </a:lvl1pPr>
-    <a:lvl2pPr marL="457200" algn="l" defTabSz="457200" rtl="0" eaLnBrk="1" latinLnBrk="0" hangingPunct="1">
-      <a:defRPr sz="1800" kern="1200">
+    <a:lvl2pPr algn="l" defTabSz="457200" eaLnBrk="1" hangingPunct="1" latinLnBrk="0" marL="457200" rtl="0">
+      <a:defRPr kern="1200" sz="1800">
         <a:solidFill>
           <a:schemeClr val="tx1"/>
         </a:solidFill>
@@ -33,8 +36,8 @@
         <a:cs typeface="+mn-cs"/>
       </a:defRPr>
     </a:lvl2pPr>
-    <a:lvl3pPr marL="914400" algn="l" defTabSz="457200" rtl="0" eaLnBrk="1" latinLnBrk="0" hangingPunct="1">
-      <a:defRPr sz="1800" kern="1200">
+    <a:lvl3pPr algn="l" defTabSz="457200" eaLnBrk="1" hangingPunct="1" latinLnBrk="0" marL="914400" rtl="0">
+      <a:defRPr kern="1200" sz="1800">
         <a:solidFill>
           <a:schemeClr val="tx1"/>
         </a:solidFill>
@@ -43,8 +46,8 @@
         <a:cs typeface="+mn-cs"/>
       </a:defRPr>
     </a:lvl3pPr>
-    <a:lvl4pPr marL="1371600" algn="l" defTabSz="457200" rtl="0" eaLnBrk="1" latinLnBrk="0" hangingPunct="1">
-      <a:defRPr sz="1800" kern="1200">
+    <a:lvl4pPr algn="l" defTabSz="457200" eaLnBrk="1" hangingPunct="1" latinLnBrk="0" marL="1371600" rtl="0">
+      <a:defRPr kern="1200" sz="1800">
         <a:solidFill>
           <a:schemeClr val="tx1"/>
         </a:solidFill>
@@ -53,8 +56,8 @@
         <a:cs typeface="+mn-cs"/>
       </a:defRPr>
     </a:lvl4pPr>
-    <a:lvl5pPr marL="1828800" algn="l" defTabSz="457200" rtl="0" eaLnBrk="1" latinLnBrk="0" hangingPunct="1">
-      <a:defRPr sz="1800" kern="1200">
+    <a:lvl5pPr algn="l" defTabSz="457200" eaLnBrk="1" hangingPunct="1" latinLnBrk="0" marL="1828800" rtl="0">
+      <a:defRPr kern="1200" sz="1800">
         <a:solidFill>
           <a:schemeClr val="tx1"/>
         </a:solidFill>
@@ -63,8 +66,8 @@
         <a:cs typeface="+mn-cs"/>
       </a:defRPr>
     </a:lvl5pPr>
-    <a:lvl6pPr marL="2286000" algn="l" defTabSz="457200" rtl="0" eaLnBrk="1" latinLnBrk="0" hangingPunct="1">
-      <a:defRPr sz="1800" kern="1200">
+    <a:lvl6pPr algn="l" defTabSz="457200" eaLnBrk="1" hangingPunct="1" latinLnBrk="0" marL="2286000" rtl="0">
+      <a:defRPr kern="1200" sz="1800">
         <a:solidFill>
           <a:schemeClr val="tx1"/>
         </a:solidFill>
@@ -73,8 +76,8 @@
         <a:cs typeface="+mn-cs"/>
       </a:defRPr>
     </a:lvl6pPr>
-    <a:lvl7pPr marL="2743200" algn="l" defTabSz="457200" rtl="0" eaLnBrk="1" latinLnBrk="0" hangingPunct="1">
-      <a:defRPr sz="1800" kern="1200">
+    <a:lvl7pPr algn="l" defTabSz="457200" eaLnBrk="1" hangingPunct="1" latinLnBrk="0" marL="2743200" rtl="0">
+      <a:defRPr kern="1200" sz="1800">
         <a:solidFill>
           <a:schemeClr val="tx1"/>
         </a:solidFill>
@@ -83,8 +86,8 @@
         <a:cs typeface="+mn-cs"/>
       </a:defRPr>
     </a:lvl7pPr>
-    <a:lvl8pPr marL="3200400" algn="l" defTabSz="457200" rtl="0" eaLnBrk="1" latinLnBrk="0" hangingPunct="1">
-      <a:defRPr sz="1800" kern="1200">
+    <a:lvl8pPr algn="l" defTabSz="457200" eaLnBrk="1" hangingPunct="1" latinLnBrk="0" marL="3200400" rtl="0">
+      <a:defRPr kern="1200" sz="1800">
         <a:solidFill>
           <a:schemeClr val="tx1"/>
         </a:solidFill>
@@ -93,8 +96,8 @@
         <a:cs typeface="+mn-cs"/>
       </a:defRPr>
     </a:lvl8pPr>
-    <a:lvl9pPr marL="3657600" algn="l" defTabSz="457200" rtl="0" eaLnBrk="1" latinLnBrk="0" hangingPunct="1">
-      <a:defRPr sz="1800" kern="1200">
+    <a:lvl9pPr algn="l" defTabSz="457200" eaLnBrk="1" hangingPunct="1" latinLnBrk="0" marL="3657600" rtl="0">
+      <a:defRPr kern="1200" sz="1800">
         <a:solidFill>
           <a:schemeClr val="tx1"/>
         </a:solidFill>
@@ -104,6 +107,22 @@
       </a:defRPr>
     </a:lvl9pPr>
   </p:defaultTextStyle>
+  <p:extLst>
+    <p:ext uri="{EFAFB233-063F-42B5-8137-9DF3F51BA10A}">
+      <p15:sldGuideLst xmlns:p15="http://schemas.microsoft.com/office/powerpoint/2012/main">
+        <p15:guide id="1" orient="horz" pos="1620" userDrawn="1">
+          <p15:clr>
+            <a:srgbClr val="A4A3A4"/>
+          </p15:clr>
+        </p15:guide>
+        <p15:guide id="2" pos="2880" userDrawn="1">
+          <p15:clr>
+            <a:srgbClr val="A4A3A4"/>
+          </p15:clr>
+        </p15:guide>
+      </p15:sldGuideLst>
+    </p:ext>
+  </p:extLst>
 </p:presentation>
 </file>
 
@@ -136,8 +155,8 @@
         </p:nvSpPr>
         <p:spPr>
           <a:xfrm>
-            <a:off x="685800" y="2130425"/>
-            <a:ext cx="7772400" cy="1470025"/>
+            <a:off x="685800" y="1597819"/>
+            <a:ext cx="7772400" cy="1102519"/>
           </a:xfrm>
         </p:spPr>
         <p:txBody>
@@ -145,10 +164,9 @@
           <a:lstStyle/>
           <a:p>
             <a:r>
-              <a:rPr lang="en-US" smtClean="0"/>
+              <a:rPr lang="en-US"/>
               <a:t>Click to edit Master title style</a:t>
             </a:r>
-            <a:endParaRPr lang="en-US"/>
           </a:p>
         </p:txBody>
       </p:sp>
@@ -164,8 +182,8 @@
         </p:nvSpPr>
         <p:spPr>
           <a:xfrm>
-            <a:off x="1371600" y="3886200"/>
-            <a:ext cx="6400800" cy="1752600"/>
+            <a:off x="1371600" y="2914650"/>
+            <a:ext cx="6400800" cy="1314450"/>
           </a:xfrm>
         </p:spPr>
         <p:txBody>
@@ -181,7 +199,7 @@
                 </a:solidFill>
               </a:defRPr>
             </a:lvl1pPr>
-            <a:lvl2pPr marL="457200" indent="0" algn="ctr">
+            <a:lvl2pPr marL="342900" indent="0" algn="ctr">
               <a:buNone/>
               <a:defRPr>
                 <a:solidFill>
@@ -191,7 +209,7 @@
                 </a:solidFill>
               </a:defRPr>
             </a:lvl2pPr>
-            <a:lvl3pPr marL="914400" indent="0" algn="ctr">
+            <a:lvl3pPr marL="685800" indent="0" algn="ctr">
               <a:buNone/>
               <a:defRPr>
                 <a:solidFill>
@@ -201,7 +219,7 @@
                 </a:solidFill>
               </a:defRPr>
             </a:lvl3pPr>
-            <a:lvl4pPr marL="1371600" indent="0" algn="ctr">
+            <a:lvl4pPr marL="1028700" indent="0" algn="ctr">
               <a:buNone/>
               <a:defRPr>
                 <a:solidFill>
@@ -211,7 +229,7 @@
                 </a:solidFill>
               </a:defRPr>
             </a:lvl4pPr>
-            <a:lvl5pPr marL="1828800" indent="0" algn="ctr">
+            <a:lvl5pPr marL="1371600" indent="0" algn="ctr">
               <a:buNone/>
               <a:defRPr>
                 <a:solidFill>
@@ -221,7 +239,7 @@
                 </a:solidFill>
               </a:defRPr>
             </a:lvl5pPr>
-            <a:lvl6pPr marL="2286000" indent="0" algn="ctr">
+            <a:lvl6pPr marL="1714500" indent="0" algn="ctr">
               <a:buNone/>
               <a:defRPr>
                 <a:solidFill>
@@ -231,7 +249,7 @@
                 </a:solidFill>
               </a:defRPr>
             </a:lvl6pPr>
-            <a:lvl7pPr marL="2743200" indent="0" algn="ctr">
+            <a:lvl7pPr marL="2057400" indent="0" algn="ctr">
               <a:buNone/>
               <a:defRPr>
                 <a:solidFill>
@@ -241,7 +259,7 @@
                 </a:solidFill>
               </a:defRPr>
             </a:lvl7pPr>
-            <a:lvl8pPr marL="3200400" indent="0" algn="ctr">
+            <a:lvl8pPr marL="2400300" indent="0" algn="ctr">
               <a:buNone/>
               <a:defRPr>
                 <a:solidFill>
@@ -251,7 +269,7 @@
                 </a:solidFill>
               </a:defRPr>
             </a:lvl8pPr>
-            <a:lvl9pPr marL="3657600" indent="0" algn="ctr">
+            <a:lvl9pPr marL="2743200" indent="0" algn="ctr">
               <a:buNone/>
               <a:defRPr>
                 <a:solidFill>
@@ -264,31 +282,30 @@
           </a:lstStyle>
           <a:p>
             <a:r>
+              <a:rPr lang="en-US"/>
+              <a:t>Click to edit Master subtitle style</a:t>
+            </a:r>
+          </a:p>
+        </p:txBody>
+      </p:sp>
+      <p:sp>
+        <p:nvSpPr>
+          <p:cNvPr id="4" name="Date Placeholder 3"/>
+          <p:cNvSpPr>
+            <a:spLocks noGrp="1"/>
+          </p:cNvSpPr>
+          <p:nvPr>
+            <p:ph type="dt" sz="half" idx="10"/>
+          </p:nvPr>
+        </p:nvSpPr>
+        <p:spPr/>
+        <p:txBody>
+          <a:bodyPr/>
+          <a:lstStyle/>
+          <a:p>
+            <a:fld id="{241EB5C9-1307-BA42-ABA2-0BC069CD8E7F}" type="datetimeFigureOut">
               <a:rPr lang="en-US" smtClean="0"/>
-              <a:t>Click to edit Master subtitle style</a:t>
-            </a:r>
-            <a:endParaRPr lang="en-US"/>
-          </a:p>
-        </p:txBody>
-      </p:sp>
-      <p:sp>
-        <p:nvSpPr>
-          <p:cNvPr id="4" name="Date Placeholder 3"/>
-          <p:cNvSpPr>
-            <a:spLocks noGrp="1"/>
-          </p:cNvSpPr>
-          <p:nvPr>
-            <p:ph type="dt" sz="half" idx="10"/>
-          </p:nvPr>
-        </p:nvSpPr>
-        <p:spPr/>
-        <p:txBody>
-          <a:bodyPr/>
-          <a:lstStyle/>
-          <a:p>
-            <a:fld id="{5BCAD085-E8A6-8845-BD4E-CB4CCA059FC4}" type="datetimeFigureOut">
-              <a:rPr lang="en-US" smtClean="0"/>
-              <a:t>1/27/13</a:t>
+              <a:t>1/2/22</a:t>
             </a:fld>
             <a:endParaRPr lang="en-US"/>
           </a:p>
@@ -328,7 +345,7 @@
           <a:bodyPr/>
           <a:lstStyle/>
           <a:p>
-            <a:fld id="{C1FF6DA9-008F-8B48-92A6-B652298478BF}" type="slidenum">
+            <a:fld id="{C5EF2332-01BF-834F-8236-50238282D533}" type="slidenum">
               <a:rPr lang="en-US" smtClean="0"/>
               <a:t>‹#›</a:t>
             </a:fld>
@@ -339,7 +356,7 @@
     </p:spTree>
     <p:extLst>
       <p:ext uri="{BB962C8B-B14F-4D97-AF65-F5344CB8AC3E}">
-        <p14:creationId xmlns:p14="http://schemas.microsoft.com/office/powerpoint/2010/main" val="3168075583"/>
+        <p14:creationId xmlns:p14="http://schemas.microsoft.com/office/powerpoint/2010/main" val="1444357513"/>
       </p:ext>
     </p:extLst>
   </p:cSld>
@@ -382,83 +399,81 @@
           <a:lstStyle/>
           <a:p>
             <a:r>
+              <a:rPr lang="en-US"/>
+              <a:t>Click to edit Master title style</a:t>
+            </a:r>
+          </a:p>
+        </p:txBody>
+      </p:sp>
+      <p:sp>
+        <p:nvSpPr>
+          <p:cNvPr id="3" name="Vertical Text Placeholder 2"/>
+          <p:cNvSpPr>
+            <a:spLocks noGrp="1"/>
+          </p:cNvSpPr>
+          <p:nvPr>
+            <p:ph type="body" orient="vert" idx="1"/>
+          </p:nvPr>
+        </p:nvSpPr>
+        <p:spPr/>
+        <p:txBody>
+          <a:bodyPr vert="eaVert"/>
+          <a:lstStyle/>
+          <a:p>
+            <a:pPr lvl="0"/>
+            <a:r>
+              <a:rPr lang="en-US"/>
+              <a:t>Click to edit Master text styles</a:t>
+            </a:r>
+          </a:p>
+          <a:p>
+            <a:pPr lvl="1"/>
+            <a:r>
+              <a:rPr lang="en-US"/>
+              <a:t>Second level</a:t>
+            </a:r>
+          </a:p>
+          <a:p>
+            <a:pPr lvl="2"/>
+            <a:r>
+              <a:rPr lang="en-US"/>
+              <a:t>Third level</a:t>
+            </a:r>
+          </a:p>
+          <a:p>
+            <a:pPr lvl="3"/>
+            <a:r>
+              <a:rPr lang="en-US"/>
+              <a:t>Fourth level</a:t>
+            </a:r>
+          </a:p>
+          <a:p>
+            <a:pPr lvl="4"/>
+            <a:r>
+              <a:rPr lang="en-US"/>
+              <a:t>Fifth level</a:t>
+            </a:r>
+          </a:p>
+        </p:txBody>
+      </p:sp>
+      <p:sp>
+        <p:nvSpPr>
+          <p:cNvPr id="4" name="Date Placeholder 3"/>
+          <p:cNvSpPr>
+            <a:spLocks noGrp="1"/>
+          </p:cNvSpPr>
+          <p:nvPr>
+            <p:ph type="dt" sz="half" idx="10"/>
+          </p:nvPr>
+        </p:nvSpPr>
+        <p:spPr/>
+        <p:txBody>
+          <a:bodyPr/>
+          <a:lstStyle/>
+          <a:p>
+            <a:fld id="{241EB5C9-1307-BA42-ABA2-0BC069CD8E7F}" type="datetimeFigureOut">
               <a:rPr lang="en-US" smtClean="0"/>
-              <a:t>Click to edit Master title style</a:t>
-            </a:r>
-            <a:endParaRPr lang="en-US"/>
-          </a:p>
-        </p:txBody>
-      </p:sp>
-      <p:sp>
-        <p:nvSpPr>
-          <p:cNvPr id="3" name="Vertical Text Placeholder 2"/>
-          <p:cNvSpPr>
-            <a:spLocks noGrp="1"/>
-          </p:cNvSpPr>
-          <p:nvPr>
-            <p:ph type="body" orient="vert" idx="1"/>
-          </p:nvPr>
-        </p:nvSpPr>
-        <p:spPr/>
-        <p:txBody>
-          <a:bodyPr vert="eaVert"/>
-          <a:lstStyle/>
-          <a:p>
-            <a:pPr lvl="0"/>
-            <a:r>
-              <a:rPr lang="en-US" smtClean="0"/>
-              <a:t>Click to edit Master text styles</a:t>
-            </a:r>
-          </a:p>
-          <a:p>
-            <a:pPr lvl="1"/>
-            <a:r>
-              <a:rPr lang="en-US" smtClean="0"/>
-              <a:t>Second level</a:t>
-            </a:r>
-          </a:p>
-          <a:p>
-            <a:pPr lvl="2"/>
-            <a:r>
-              <a:rPr lang="en-US" smtClean="0"/>
-              <a:t>Third level</a:t>
-            </a:r>
-          </a:p>
-          <a:p>
-            <a:pPr lvl="3"/>
-            <a:r>
-              <a:rPr lang="en-US" smtClean="0"/>
-              <a:t>Fourth level</a:t>
-            </a:r>
-          </a:p>
-          <a:p>
-            <a:pPr lvl="4"/>
-            <a:r>
-              <a:rPr lang="en-US" smtClean="0"/>
-              <a:t>Fifth level</a:t>
-            </a:r>
-            <a:endParaRPr lang="en-US"/>
-          </a:p>
-        </p:txBody>
-      </p:sp>
-      <p:sp>
-        <p:nvSpPr>
-          <p:cNvPr id="4" name="Date Placeholder 3"/>
-          <p:cNvSpPr>
-            <a:spLocks noGrp="1"/>
-          </p:cNvSpPr>
-          <p:nvPr>
-            <p:ph type="dt" sz="half" idx="10"/>
-          </p:nvPr>
-        </p:nvSpPr>
-        <p:spPr/>
-        <p:txBody>
-          <a:bodyPr/>
-          <a:lstStyle/>
-          <a:p>
-            <a:fld id="{5BCAD085-E8A6-8845-BD4E-CB4CCA059FC4}" type="datetimeFigureOut">
-              <a:rPr lang="en-US" smtClean="0"/>
-              <a:t>1/27/13</a:t>
+              <a:t>1/2/22</a:t>
             </a:fld>
             <a:endParaRPr lang="en-US"/>
           </a:p>
@@ -498,7 +513,7 @@
           <a:bodyPr/>
           <a:lstStyle/>
           <a:p>
-            <a:fld id="{C1FF6DA9-008F-8B48-92A6-B652298478BF}" type="slidenum">
+            <a:fld id="{C5EF2332-01BF-834F-8236-50238282D533}" type="slidenum">
               <a:rPr lang="en-US" smtClean="0"/>
               <a:t>‹#›</a:t>
             </a:fld>
@@ -509,7 +524,7 @@
     </p:spTree>
     <p:extLst>
       <p:ext uri="{BB962C8B-B14F-4D97-AF65-F5344CB8AC3E}">
-        <p14:creationId xmlns:p14="http://schemas.microsoft.com/office/powerpoint/2010/main" val="2910927964"/>
+        <p14:creationId xmlns:p14="http://schemas.microsoft.com/office/powerpoint/2010/main" val="313914798"/>
       </p:ext>
     </p:extLst>
   </p:cSld>
@@ -548,8 +563,8 @@
         </p:nvSpPr>
         <p:spPr>
           <a:xfrm>
-            <a:off x="6629400" y="274638"/>
-            <a:ext cx="2057400" cy="5851525"/>
+            <a:off x="6629400" y="205979"/>
+            <a:ext cx="2057400" cy="4388644"/>
           </a:xfrm>
         </p:spPr>
         <p:txBody>
@@ -557,10 +572,9 @@
           <a:lstStyle/>
           <a:p>
             <a:r>
-              <a:rPr lang="en-US" smtClean="0"/>
+              <a:rPr lang="en-US"/>
               <a:t>Click to edit Master title style</a:t>
             </a:r>
-            <a:endParaRPr lang="en-US"/>
           </a:p>
         </p:txBody>
       </p:sp>
@@ -576,8 +590,8 @@
         </p:nvSpPr>
         <p:spPr>
           <a:xfrm>
-            <a:off x="457200" y="274638"/>
-            <a:ext cx="6019800" cy="5851525"/>
+            <a:off x="457200" y="205979"/>
+            <a:ext cx="6019800" cy="4388644"/>
           </a:xfrm>
         </p:spPr>
         <p:txBody>
@@ -586,59 +600,58 @@
           <a:p>
             <a:pPr lvl="0"/>
             <a:r>
+              <a:rPr lang="en-US"/>
+              <a:t>Click to edit Master text styles</a:t>
+            </a:r>
+          </a:p>
+          <a:p>
+            <a:pPr lvl="1"/>
+            <a:r>
+              <a:rPr lang="en-US"/>
+              <a:t>Second level</a:t>
+            </a:r>
+          </a:p>
+          <a:p>
+            <a:pPr lvl="2"/>
+            <a:r>
+              <a:rPr lang="en-US"/>
+              <a:t>Third level</a:t>
+            </a:r>
+          </a:p>
+          <a:p>
+            <a:pPr lvl="3"/>
+            <a:r>
+              <a:rPr lang="en-US"/>
+              <a:t>Fourth level</a:t>
+            </a:r>
+          </a:p>
+          <a:p>
+            <a:pPr lvl="4"/>
+            <a:r>
+              <a:rPr lang="en-US"/>
+              <a:t>Fifth level</a:t>
+            </a:r>
+          </a:p>
+        </p:txBody>
+      </p:sp>
+      <p:sp>
+        <p:nvSpPr>
+          <p:cNvPr id="4" name="Date Placeholder 3"/>
+          <p:cNvSpPr>
+            <a:spLocks noGrp="1"/>
+          </p:cNvSpPr>
+          <p:nvPr>
+            <p:ph type="dt" sz="half" idx="10"/>
+          </p:nvPr>
+        </p:nvSpPr>
+        <p:spPr/>
+        <p:txBody>
+          <a:bodyPr/>
+          <a:lstStyle/>
+          <a:p>
+            <a:fld id="{241EB5C9-1307-BA42-ABA2-0BC069CD8E7F}" type="datetimeFigureOut">
               <a:rPr lang="en-US" smtClean="0"/>
-              <a:t>Click to edit Master text styles</a:t>
-            </a:r>
-          </a:p>
-          <a:p>
-            <a:pPr lvl="1"/>
-            <a:r>
-              <a:rPr lang="en-US" smtClean="0"/>
-              <a:t>Second level</a:t>
-            </a:r>
-          </a:p>
-          <a:p>
-            <a:pPr lvl="2"/>
-            <a:r>
-              <a:rPr lang="en-US" smtClean="0"/>
-              <a:t>Third level</a:t>
-            </a:r>
-          </a:p>
-          <a:p>
-            <a:pPr lvl="3"/>
-            <a:r>
-              <a:rPr lang="en-US" smtClean="0"/>
-              <a:t>Fourth level</a:t>
-            </a:r>
-          </a:p>
-          <a:p>
-            <a:pPr lvl="4"/>
-            <a:r>
-              <a:rPr lang="en-US" smtClean="0"/>
-              <a:t>Fifth level</a:t>
-            </a:r>
-            <a:endParaRPr lang="en-US"/>
-          </a:p>
-        </p:txBody>
-      </p:sp>
-      <p:sp>
-        <p:nvSpPr>
-          <p:cNvPr id="4" name="Date Placeholder 3"/>
-          <p:cNvSpPr>
-            <a:spLocks noGrp="1"/>
-          </p:cNvSpPr>
-          <p:nvPr>
-            <p:ph type="dt" sz="half" idx="10"/>
-          </p:nvPr>
-        </p:nvSpPr>
-        <p:spPr/>
-        <p:txBody>
-          <a:bodyPr/>
-          <a:lstStyle/>
-          <a:p>
-            <a:fld id="{5BCAD085-E8A6-8845-BD4E-CB4CCA059FC4}" type="datetimeFigureOut">
-              <a:rPr lang="en-US" smtClean="0"/>
-              <a:t>1/27/13</a:t>
+              <a:t>1/2/22</a:t>
             </a:fld>
             <a:endParaRPr lang="en-US"/>
           </a:p>
@@ -678,7 +691,7 @@
           <a:bodyPr/>
           <a:lstStyle/>
           <a:p>
-            <a:fld id="{C1FF6DA9-008F-8B48-92A6-B652298478BF}" type="slidenum">
+            <a:fld id="{C5EF2332-01BF-834F-8236-50238282D533}" type="slidenum">
               <a:rPr lang="en-US" smtClean="0"/>
               <a:t>‹#›</a:t>
             </a:fld>
@@ -689,7 +702,7 @@
     </p:spTree>
     <p:extLst>
       <p:ext uri="{BB962C8B-B14F-4D97-AF65-F5344CB8AC3E}">
-        <p14:creationId xmlns:p14="http://schemas.microsoft.com/office/powerpoint/2010/main" val="3612223792"/>
+        <p14:creationId xmlns:p14="http://schemas.microsoft.com/office/powerpoint/2010/main" val="2581529045"/>
       </p:ext>
     </p:extLst>
   </p:cSld>
@@ -732,83 +745,81 @@
           <a:lstStyle/>
           <a:p>
             <a:r>
+              <a:rPr lang="en-US"/>
+              <a:t>Click to edit Master title style</a:t>
+            </a:r>
+          </a:p>
+        </p:txBody>
+      </p:sp>
+      <p:sp>
+        <p:nvSpPr>
+          <p:cNvPr id="3" name="Content Placeholder 2"/>
+          <p:cNvSpPr>
+            <a:spLocks noGrp="1"/>
+          </p:cNvSpPr>
+          <p:nvPr>
+            <p:ph idx="1"/>
+          </p:nvPr>
+        </p:nvSpPr>
+        <p:spPr/>
+        <p:txBody>
+          <a:bodyPr/>
+          <a:lstStyle/>
+          <a:p>
+            <a:pPr lvl="0"/>
+            <a:r>
+              <a:rPr lang="en-US"/>
+              <a:t>Click to edit Master text styles</a:t>
+            </a:r>
+          </a:p>
+          <a:p>
+            <a:pPr lvl="1"/>
+            <a:r>
+              <a:rPr lang="en-US"/>
+              <a:t>Second level</a:t>
+            </a:r>
+          </a:p>
+          <a:p>
+            <a:pPr lvl="2"/>
+            <a:r>
+              <a:rPr lang="en-US"/>
+              <a:t>Third level</a:t>
+            </a:r>
+          </a:p>
+          <a:p>
+            <a:pPr lvl="3"/>
+            <a:r>
+              <a:rPr lang="en-US"/>
+              <a:t>Fourth level</a:t>
+            </a:r>
+          </a:p>
+          <a:p>
+            <a:pPr lvl="4"/>
+            <a:r>
+              <a:rPr lang="en-US"/>
+              <a:t>Fifth level</a:t>
+            </a:r>
+          </a:p>
+        </p:txBody>
+      </p:sp>
+      <p:sp>
+        <p:nvSpPr>
+          <p:cNvPr id="4" name="Date Placeholder 3"/>
+          <p:cNvSpPr>
+            <a:spLocks noGrp="1"/>
+          </p:cNvSpPr>
+          <p:nvPr>
+            <p:ph type="dt" sz="half" idx="10"/>
+          </p:nvPr>
+        </p:nvSpPr>
+        <p:spPr/>
+        <p:txBody>
+          <a:bodyPr/>
+          <a:lstStyle/>
+          <a:p>
+            <a:fld id="{241EB5C9-1307-BA42-ABA2-0BC069CD8E7F}" type="datetimeFigureOut">
               <a:rPr lang="en-US" smtClean="0"/>
-              <a:t>Click to edit Master title style</a:t>
-            </a:r>
-            <a:endParaRPr lang="en-US"/>
-          </a:p>
-        </p:txBody>
-      </p:sp>
-      <p:sp>
-        <p:nvSpPr>
-          <p:cNvPr id="3" name="Content Placeholder 2"/>
-          <p:cNvSpPr>
-            <a:spLocks noGrp="1"/>
-          </p:cNvSpPr>
-          <p:nvPr>
-            <p:ph idx="1"/>
-          </p:nvPr>
-        </p:nvSpPr>
-        <p:spPr/>
-        <p:txBody>
-          <a:bodyPr/>
-          <a:lstStyle/>
-          <a:p>
-            <a:pPr lvl="0"/>
-            <a:r>
-              <a:rPr lang="en-US" smtClean="0"/>
-              <a:t>Click to edit Master text styles</a:t>
-            </a:r>
-          </a:p>
-          <a:p>
-            <a:pPr lvl="1"/>
-            <a:r>
-              <a:rPr lang="en-US" smtClean="0"/>
-              <a:t>Second level</a:t>
-            </a:r>
-          </a:p>
-          <a:p>
-            <a:pPr lvl="2"/>
-            <a:r>
-              <a:rPr lang="en-US" smtClean="0"/>
-              <a:t>Third level</a:t>
-            </a:r>
-          </a:p>
-          <a:p>
-            <a:pPr lvl="3"/>
-            <a:r>
-              <a:rPr lang="en-US" smtClean="0"/>
-              <a:t>Fourth level</a:t>
-            </a:r>
-          </a:p>
-          <a:p>
-            <a:pPr lvl="4"/>
-            <a:r>
-              <a:rPr lang="en-US" smtClean="0"/>
-              <a:t>Fifth level</a:t>
-            </a:r>
-            <a:endParaRPr lang="en-US"/>
-          </a:p>
-        </p:txBody>
-      </p:sp>
-      <p:sp>
-        <p:nvSpPr>
-          <p:cNvPr id="4" name="Date Placeholder 3"/>
-          <p:cNvSpPr>
-            <a:spLocks noGrp="1"/>
-          </p:cNvSpPr>
-          <p:nvPr>
-            <p:ph type="dt" sz="half" idx="10"/>
-          </p:nvPr>
-        </p:nvSpPr>
-        <p:spPr/>
-        <p:txBody>
-          <a:bodyPr/>
-          <a:lstStyle/>
-          <a:p>
-            <a:fld id="{5BCAD085-E8A6-8845-BD4E-CB4CCA059FC4}" type="datetimeFigureOut">
-              <a:rPr lang="en-US" smtClean="0"/>
-              <a:t>1/27/13</a:t>
+              <a:t>1/2/22</a:t>
             </a:fld>
             <a:endParaRPr lang="en-US"/>
           </a:p>
@@ -848,7 +859,7 @@
           <a:bodyPr/>
           <a:lstStyle/>
           <a:p>
-            <a:fld id="{C1FF6DA9-008F-8B48-92A6-B652298478BF}" type="slidenum">
+            <a:fld id="{C5EF2332-01BF-834F-8236-50238282D533}" type="slidenum">
               <a:rPr lang="en-US" smtClean="0"/>
               <a:t>‹#›</a:t>
             </a:fld>
@@ -859,7 +870,7 @@
     </p:spTree>
     <p:extLst>
       <p:ext uri="{BB962C8B-B14F-4D97-AF65-F5344CB8AC3E}">
-        <p14:creationId xmlns:p14="http://schemas.microsoft.com/office/powerpoint/2010/main" val="2614314258"/>
+        <p14:creationId xmlns:p14="http://schemas.microsoft.com/office/powerpoint/2010/main" val="338346009"/>
       </p:ext>
     </p:extLst>
   </p:cSld>
@@ -898,23 +909,22 @@
         </p:nvSpPr>
         <p:spPr>
           <a:xfrm>
-            <a:off x="722313" y="4406900"/>
-            <a:ext cx="7772400" cy="1362075"/>
+            <a:off x="722313" y="3305176"/>
+            <a:ext cx="7772400" cy="1021556"/>
           </a:xfrm>
         </p:spPr>
         <p:txBody>
           <a:bodyPr anchor="t"/>
           <a:lstStyle>
             <a:lvl1pPr algn="l">
-              <a:defRPr sz="4000" b="1" cap="all"/>
+              <a:defRPr sz="3000" b="1" cap="all"/>
             </a:lvl1pPr>
           </a:lstStyle>
           <a:p>
             <a:r>
-              <a:rPr lang="en-US" smtClean="0"/>
+              <a:rPr lang="en-US"/>
               <a:t>Click to edit Master title style</a:t>
             </a:r>
-            <a:endParaRPr lang="en-US"/>
           </a:p>
         </p:txBody>
       </p:sp>
@@ -930,8 +940,8 @@
         </p:nvSpPr>
         <p:spPr>
           <a:xfrm>
-            <a:off x="722313" y="2906713"/>
-            <a:ext cx="7772400" cy="1500187"/>
+            <a:off x="722313" y="2180035"/>
+            <a:ext cx="7772400" cy="1125140"/>
           </a:xfrm>
         </p:spPr>
         <p:txBody>
@@ -939,7 +949,7 @@
           <a:lstStyle>
             <a:lvl1pPr marL="0" indent="0">
               <a:buNone/>
-              <a:defRPr sz="2000">
+              <a:defRPr sz="1500">
                 <a:solidFill>
                   <a:schemeClr val="tx1">
                     <a:tint val="75000"/>
@@ -947,9 +957,9 @@
                 </a:solidFill>
               </a:defRPr>
             </a:lvl1pPr>
-            <a:lvl2pPr marL="457200" indent="0">
-              <a:buNone/>
-              <a:defRPr sz="1800">
+            <a:lvl2pPr marL="342900" indent="0">
+              <a:buNone/>
+              <a:defRPr sz="1350">
                 <a:solidFill>
                   <a:schemeClr val="tx1">
                     <a:tint val="75000"/>
@@ -957,9 +967,9 @@
                 </a:solidFill>
               </a:defRPr>
             </a:lvl2pPr>
-            <a:lvl3pPr marL="914400" indent="0">
-              <a:buNone/>
-              <a:defRPr sz="1600">
+            <a:lvl3pPr marL="685800" indent="0">
+              <a:buNone/>
+              <a:defRPr sz="1200">
                 <a:solidFill>
                   <a:schemeClr val="tx1">
                     <a:tint val="75000"/>
@@ -967,9 +977,9 @@
                 </a:solidFill>
               </a:defRPr>
             </a:lvl3pPr>
-            <a:lvl4pPr marL="1371600" indent="0">
-              <a:buNone/>
-              <a:defRPr sz="1400">
+            <a:lvl4pPr marL="1028700" indent="0">
+              <a:buNone/>
+              <a:defRPr sz="1050">
                 <a:solidFill>
                   <a:schemeClr val="tx1">
                     <a:tint val="75000"/>
@@ -977,9 +987,9 @@
                 </a:solidFill>
               </a:defRPr>
             </a:lvl4pPr>
-            <a:lvl5pPr marL="1828800" indent="0">
-              <a:buNone/>
-              <a:defRPr sz="1400">
+            <a:lvl5pPr marL="1371600" indent="0">
+              <a:buNone/>
+              <a:defRPr sz="1050">
                 <a:solidFill>
                   <a:schemeClr val="tx1">
                     <a:tint val="75000"/>
@@ -987,9 +997,9 @@
                 </a:solidFill>
               </a:defRPr>
             </a:lvl5pPr>
-            <a:lvl6pPr marL="2286000" indent="0">
-              <a:buNone/>
-              <a:defRPr sz="1400">
+            <a:lvl6pPr marL="1714500" indent="0">
+              <a:buNone/>
+              <a:defRPr sz="1050">
                 <a:solidFill>
                   <a:schemeClr val="tx1">
                     <a:tint val="75000"/>
@@ -997,9 +1007,9 @@
                 </a:solidFill>
               </a:defRPr>
             </a:lvl6pPr>
-            <a:lvl7pPr marL="2743200" indent="0">
-              <a:buNone/>
-              <a:defRPr sz="1400">
+            <a:lvl7pPr marL="2057400" indent="0">
+              <a:buNone/>
+              <a:defRPr sz="1050">
                 <a:solidFill>
                   <a:schemeClr val="tx1">
                     <a:tint val="75000"/>
@@ -1007,9 +1017,9 @@
                 </a:solidFill>
               </a:defRPr>
             </a:lvl7pPr>
-            <a:lvl8pPr marL="3200400" indent="0">
-              <a:buNone/>
-              <a:defRPr sz="1400">
+            <a:lvl8pPr marL="2400300" indent="0">
+              <a:buNone/>
+              <a:defRPr sz="1050">
                 <a:solidFill>
                   <a:schemeClr val="tx1">
                     <a:tint val="75000"/>
@@ -1017,9 +1027,9 @@
                 </a:solidFill>
               </a:defRPr>
             </a:lvl8pPr>
-            <a:lvl9pPr marL="3657600" indent="0">
-              <a:buNone/>
-              <a:defRPr sz="1400">
+            <a:lvl9pPr marL="2743200" indent="0">
+              <a:buNone/>
+              <a:defRPr sz="1050">
                 <a:solidFill>
                   <a:schemeClr val="tx1">
                     <a:tint val="75000"/>
@@ -1031,30 +1041,30 @@
           <a:p>
             <a:pPr lvl="0"/>
             <a:r>
+              <a:rPr lang="en-US"/>
+              <a:t>Click to edit Master text styles</a:t>
+            </a:r>
+          </a:p>
+        </p:txBody>
+      </p:sp>
+      <p:sp>
+        <p:nvSpPr>
+          <p:cNvPr id="4" name="Date Placeholder 3"/>
+          <p:cNvSpPr>
+            <a:spLocks noGrp="1"/>
+          </p:cNvSpPr>
+          <p:nvPr>
+            <p:ph type="dt" sz="half" idx="10"/>
+          </p:nvPr>
+        </p:nvSpPr>
+        <p:spPr/>
+        <p:txBody>
+          <a:bodyPr/>
+          <a:lstStyle/>
+          <a:p>
+            <a:fld id="{241EB5C9-1307-BA42-ABA2-0BC069CD8E7F}" type="datetimeFigureOut">
               <a:rPr lang="en-US" smtClean="0"/>
-              <a:t>Click to edit Master text styles</a:t>
-            </a:r>
-          </a:p>
-        </p:txBody>
-      </p:sp>
-      <p:sp>
-        <p:nvSpPr>
-          <p:cNvPr id="4" name="Date Placeholder 3"/>
-          <p:cNvSpPr>
-            <a:spLocks noGrp="1"/>
-          </p:cNvSpPr>
-          <p:nvPr>
-            <p:ph type="dt" sz="half" idx="10"/>
-          </p:nvPr>
-        </p:nvSpPr>
-        <p:spPr/>
-        <p:txBody>
-          <a:bodyPr/>
-          <a:lstStyle/>
-          <a:p>
-            <a:fld id="{5BCAD085-E8A6-8845-BD4E-CB4CCA059FC4}" type="datetimeFigureOut">
-              <a:rPr lang="en-US" smtClean="0"/>
-              <a:t>1/27/13</a:t>
+              <a:t>1/2/22</a:t>
             </a:fld>
             <a:endParaRPr lang="en-US"/>
           </a:p>
@@ -1094,7 +1104,7 @@
           <a:bodyPr/>
           <a:lstStyle/>
           <a:p>
-            <a:fld id="{C1FF6DA9-008F-8B48-92A6-B652298478BF}" type="slidenum">
+            <a:fld id="{C5EF2332-01BF-834F-8236-50238282D533}" type="slidenum">
               <a:rPr lang="en-US" smtClean="0"/>
               <a:t>‹#›</a:t>
             </a:fld>
@@ -1105,7 +1115,7 @@
     </p:spTree>
     <p:extLst>
       <p:ext uri="{BB962C8B-B14F-4D97-AF65-F5344CB8AC3E}">
-        <p14:creationId xmlns:p14="http://schemas.microsoft.com/office/powerpoint/2010/main" val="960648375"/>
+        <p14:creationId xmlns:p14="http://schemas.microsoft.com/office/powerpoint/2010/main" val="1073069076"/>
       </p:ext>
     </p:extLst>
   </p:cSld>
@@ -1148,10 +1158,9 @@
           <a:lstStyle/>
           <a:p>
             <a:r>
-              <a:rPr lang="en-US" smtClean="0"/>
+              <a:rPr lang="en-US"/>
               <a:t>Click to edit Master title style</a:t>
             </a:r>
-            <a:endParaRPr lang="en-US"/>
           </a:p>
         </p:txBody>
       </p:sp>
@@ -1167,76 +1176,75 @@
         </p:nvSpPr>
         <p:spPr>
           <a:xfrm>
-            <a:off x="457200" y="1600200"/>
-            <a:ext cx="4038600" cy="4525963"/>
+            <a:off x="457200" y="1200151"/>
+            <a:ext cx="4038600" cy="3394472"/>
           </a:xfrm>
         </p:spPr>
         <p:txBody>
           <a:bodyPr/>
           <a:lstStyle>
             <a:lvl1pPr>
-              <a:defRPr sz="2800"/>
+              <a:defRPr sz="2100"/>
             </a:lvl1pPr>
             <a:lvl2pPr>
-              <a:defRPr sz="2400"/>
+              <a:defRPr sz="1800"/>
             </a:lvl2pPr>
             <a:lvl3pPr>
-              <a:defRPr sz="2000"/>
+              <a:defRPr sz="1500"/>
             </a:lvl3pPr>
             <a:lvl4pPr>
-              <a:defRPr sz="1800"/>
+              <a:defRPr sz="1350"/>
             </a:lvl4pPr>
             <a:lvl5pPr>
-              <a:defRPr sz="1800"/>
+              <a:defRPr sz="1350"/>
             </a:lvl5pPr>
             <a:lvl6pPr>
-              <a:defRPr sz="1800"/>
+              <a:defRPr sz="1350"/>
             </a:lvl6pPr>
             <a:lvl7pPr>
-              <a:defRPr sz="1800"/>
+              <a:defRPr sz="1350"/>
             </a:lvl7pPr>
             <a:lvl8pPr>
-              <a:defRPr sz="1800"/>
+              <a:defRPr sz="1350"/>
             </a:lvl8pPr>
             <a:lvl9pPr>
-              <a:defRPr sz="1800"/>
+              <a:defRPr sz="1350"/>
             </a:lvl9pPr>
           </a:lstStyle>
           <a:p>
             <a:pPr lvl="0"/>
             <a:r>
-              <a:rPr lang="en-US" smtClean="0"/>
+              <a:rPr lang="en-US"/>
               <a:t>Click to edit Master text styles</a:t>
             </a:r>
           </a:p>
           <a:p>
             <a:pPr lvl="1"/>
             <a:r>
-              <a:rPr lang="en-US" smtClean="0"/>
+              <a:rPr lang="en-US"/>
               <a:t>Second level</a:t>
             </a:r>
           </a:p>
           <a:p>
             <a:pPr lvl="2"/>
             <a:r>
-              <a:rPr lang="en-US" smtClean="0"/>
+              <a:rPr lang="en-US"/>
               <a:t>Third level</a:t>
             </a:r>
           </a:p>
           <a:p>
             <a:pPr lvl="3"/>
             <a:r>
-              <a:rPr lang="en-US" smtClean="0"/>
+              <a:rPr lang="en-US"/>
               <a:t>Fourth level</a:t>
             </a:r>
           </a:p>
           <a:p>
             <a:pPr lvl="4"/>
             <a:r>
-              <a:rPr lang="en-US" smtClean="0"/>
+              <a:rPr lang="en-US"/>
               <a:t>Fifth level</a:t>
             </a:r>
-            <a:endParaRPr lang="en-US"/>
           </a:p>
         </p:txBody>
       </p:sp>
@@ -1252,97 +1260,96 @@
         </p:nvSpPr>
         <p:spPr>
           <a:xfrm>
-            <a:off x="4648200" y="1600200"/>
-            <a:ext cx="4038600" cy="4525963"/>
+            <a:off x="4648200" y="1200151"/>
+            <a:ext cx="4038600" cy="3394472"/>
           </a:xfrm>
         </p:spPr>
         <p:txBody>
           <a:bodyPr/>
           <a:lstStyle>
             <a:lvl1pPr>
-              <a:defRPr sz="2800"/>
+              <a:defRPr sz="2100"/>
             </a:lvl1pPr>
             <a:lvl2pPr>
-              <a:defRPr sz="2400"/>
+              <a:defRPr sz="1800"/>
             </a:lvl2pPr>
             <a:lvl3pPr>
-              <a:defRPr sz="2000"/>
+              <a:defRPr sz="1500"/>
             </a:lvl3pPr>
             <a:lvl4pPr>
-              <a:defRPr sz="1800"/>
+              <a:defRPr sz="1350"/>
             </a:lvl4pPr>
             <a:lvl5pPr>
-              <a:defRPr sz="1800"/>
+              <a:defRPr sz="1350"/>
             </a:lvl5pPr>
             <a:lvl6pPr>
-              <a:defRPr sz="1800"/>
+              <a:defRPr sz="1350"/>
             </a:lvl6pPr>
             <a:lvl7pPr>
-              <a:defRPr sz="1800"/>
+              <a:defRPr sz="1350"/>
             </a:lvl7pPr>
             <a:lvl8pPr>
-              <a:defRPr sz="1800"/>
+              <a:defRPr sz="1350"/>
             </a:lvl8pPr>
             <a:lvl9pPr>
-              <a:defRPr sz="1800"/>
+              <a:defRPr sz="1350"/>
             </a:lvl9pPr>
           </a:lstStyle>
           <a:p>
             <a:pPr lvl="0"/>
             <a:r>
+              <a:rPr lang="en-US"/>
+              <a:t>Click to edit Master text styles</a:t>
+            </a:r>
+          </a:p>
+          <a:p>
+            <a:pPr lvl="1"/>
+            <a:r>
+              <a:rPr lang="en-US"/>
+              <a:t>Second level</a:t>
+            </a:r>
+          </a:p>
+          <a:p>
+            <a:pPr lvl="2"/>
+            <a:r>
+              <a:rPr lang="en-US"/>
+              <a:t>Third level</a:t>
+            </a:r>
+          </a:p>
+          <a:p>
+            <a:pPr lvl="3"/>
+            <a:r>
+              <a:rPr lang="en-US"/>
+              <a:t>Fourth level</a:t>
+            </a:r>
+          </a:p>
+          <a:p>
+            <a:pPr lvl="4"/>
+            <a:r>
+              <a:rPr lang="en-US"/>
+              <a:t>Fifth level</a:t>
+            </a:r>
+          </a:p>
+        </p:txBody>
+      </p:sp>
+      <p:sp>
+        <p:nvSpPr>
+          <p:cNvPr id="5" name="Date Placeholder 4"/>
+          <p:cNvSpPr>
+            <a:spLocks noGrp="1"/>
+          </p:cNvSpPr>
+          <p:nvPr>
+            <p:ph type="dt" sz="half" idx="10"/>
+          </p:nvPr>
+        </p:nvSpPr>
+        <p:spPr/>
+        <p:txBody>
+          <a:bodyPr/>
+          <a:lstStyle/>
+          <a:p>
+            <a:fld id="{241EB5C9-1307-BA42-ABA2-0BC069CD8E7F}" type="datetimeFigureOut">
               <a:rPr lang="en-US" smtClean="0"/>
-              <a:t>Click to edit Master text styles</a:t>
-            </a:r>
-          </a:p>
-          <a:p>
-            <a:pPr lvl="1"/>
-            <a:r>
-              <a:rPr lang="en-US" smtClean="0"/>
-              <a:t>Second level</a:t>
-            </a:r>
-          </a:p>
-          <a:p>
-            <a:pPr lvl="2"/>
-            <a:r>
-              <a:rPr lang="en-US" smtClean="0"/>
-              <a:t>Third level</a:t>
-            </a:r>
-          </a:p>
-          <a:p>
-            <a:pPr lvl="3"/>
-            <a:r>
-              <a:rPr lang="en-US" smtClean="0"/>
-              <a:t>Fourth level</a:t>
-            </a:r>
-          </a:p>
-          <a:p>
-            <a:pPr lvl="4"/>
-            <a:r>
-              <a:rPr lang="en-US" smtClean="0"/>
-              <a:t>Fifth level</a:t>
-            </a:r>
-            <a:endParaRPr lang="en-US"/>
-          </a:p>
-        </p:txBody>
-      </p:sp>
-      <p:sp>
-        <p:nvSpPr>
-          <p:cNvPr id="5" name="Date Placeholder 4"/>
-          <p:cNvSpPr>
-            <a:spLocks noGrp="1"/>
-          </p:cNvSpPr>
-          <p:nvPr>
-            <p:ph type="dt" sz="half" idx="10"/>
-          </p:nvPr>
-        </p:nvSpPr>
-        <p:spPr/>
-        <p:txBody>
-          <a:bodyPr/>
-          <a:lstStyle/>
-          <a:p>
-            <a:fld id="{5BCAD085-E8A6-8845-BD4E-CB4CCA059FC4}" type="datetimeFigureOut">
-              <a:rPr lang="en-US" smtClean="0"/>
-              <a:t>1/27/13</a:t>
+              <a:t>1/2/22</a:t>
             </a:fld>
             <a:endParaRPr lang="en-US"/>
           </a:p>
@@ -1382,7 +1389,7 @@
           <a:bodyPr/>
           <a:lstStyle/>
           <a:p>
-            <a:fld id="{C1FF6DA9-008F-8B48-92A6-B652298478BF}" type="slidenum">
+            <a:fld id="{C5EF2332-01BF-834F-8236-50238282D533}" type="slidenum">
               <a:rPr lang="en-US" smtClean="0"/>
               <a:t>‹#›</a:t>
             </a:fld>
@@ -1393,7 +1400,7 @@
     </p:spTree>
     <p:extLst>
       <p:ext uri="{BB962C8B-B14F-4D97-AF65-F5344CB8AC3E}">
-        <p14:creationId xmlns:p14="http://schemas.microsoft.com/office/powerpoint/2010/main" val="2782244947"/>
+        <p14:creationId xmlns:p14="http://schemas.microsoft.com/office/powerpoint/2010/main" val="2619886245"/>
       </p:ext>
     </p:extLst>
   </p:cSld>
@@ -1440,10 +1447,9 @@
           </a:lstStyle>
           <a:p>
             <a:r>
-              <a:rPr lang="en-US" smtClean="0"/>
+              <a:rPr lang="en-US"/>
               <a:t>Click to edit Master title style</a:t>
             </a:r>
-            <a:endParaRPr lang="en-US"/>
           </a:p>
         </p:txBody>
       </p:sp>
@@ -1459,8 +1465,8 @@
         </p:nvSpPr>
         <p:spPr>
           <a:xfrm>
-            <a:off x="457200" y="1535113"/>
-            <a:ext cx="4040188" cy="639762"/>
+            <a:off x="457200" y="1151335"/>
+            <a:ext cx="4040188" cy="479822"/>
           </a:xfrm>
         </p:spPr>
         <p:txBody>
@@ -1468,45 +1474,45 @@
           <a:lstStyle>
             <a:lvl1pPr marL="0" indent="0">
               <a:buNone/>
-              <a:defRPr sz="2400" b="1"/>
+              <a:defRPr sz="1800" b="1"/>
             </a:lvl1pPr>
-            <a:lvl2pPr marL="457200" indent="0">
-              <a:buNone/>
-              <a:defRPr sz="2000" b="1"/>
+            <a:lvl2pPr marL="342900" indent="0">
+              <a:buNone/>
+              <a:defRPr sz="1500" b="1"/>
             </a:lvl2pPr>
-            <a:lvl3pPr marL="914400" indent="0">
-              <a:buNone/>
-              <a:defRPr sz="1800" b="1"/>
+            <a:lvl3pPr marL="685800" indent="0">
+              <a:buNone/>
+              <a:defRPr sz="1350" b="1"/>
             </a:lvl3pPr>
-            <a:lvl4pPr marL="1371600" indent="0">
-              <a:buNone/>
-              <a:defRPr sz="1600" b="1"/>
+            <a:lvl4pPr marL="1028700" indent="0">
+              <a:buNone/>
+              <a:defRPr sz="1200" b="1"/>
             </a:lvl4pPr>
-            <a:lvl5pPr marL="1828800" indent="0">
-              <a:buNone/>
-              <a:defRPr sz="1600" b="1"/>
+            <a:lvl5pPr marL="1371600" indent="0">
+              <a:buNone/>
+              <a:defRPr sz="1200" b="1"/>
             </a:lvl5pPr>
-            <a:lvl6pPr marL="2286000" indent="0">
-              <a:buNone/>
-              <a:defRPr sz="1600" b="1"/>
+            <a:lvl6pPr marL="1714500" indent="0">
+              <a:buNone/>
+              <a:defRPr sz="1200" b="1"/>
             </a:lvl6pPr>
-            <a:lvl7pPr marL="2743200" indent="0">
-              <a:buNone/>
-              <a:defRPr sz="1600" b="1"/>
+            <a:lvl7pPr marL="2057400" indent="0">
+              <a:buNone/>
+              <a:defRPr sz="1200" b="1"/>
             </a:lvl7pPr>
-            <a:lvl8pPr marL="3200400" indent="0">
-              <a:buNone/>
-              <a:defRPr sz="1600" b="1"/>
+            <a:lvl8pPr marL="2400300" indent="0">
+              <a:buNone/>
+              <a:defRPr sz="1200" b="1"/>
             </a:lvl8pPr>
-            <a:lvl9pPr marL="3657600" indent="0">
-              <a:buNone/>
-              <a:defRPr sz="1600" b="1"/>
+            <a:lvl9pPr marL="2743200" indent="0">
+              <a:buNone/>
+              <a:defRPr sz="1200" b="1"/>
             </a:lvl9pPr>
           </a:lstStyle>
           <a:p>
             <a:pPr lvl="0"/>
             <a:r>
-              <a:rPr lang="en-US" smtClean="0"/>
+              <a:rPr lang="en-US"/>
               <a:t>Click to edit Master text styles</a:t>
             </a:r>
           </a:p>
@@ -1524,76 +1530,75 @@
         </p:nvSpPr>
         <p:spPr>
           <a:xfrm>
-            <a:off x="457200" y="2174875"/>
-            <a:ext cx="4040188" cy="3951288"/>
+            <a:off x="457200" y="1631156"/>
+            <a:ext cx="4040188" cy="2963466"/>
           </a:xfrm>
         </p:spPr>
         <p:txBody>
           <a:bodyPr/>
           <a:lstStyle>
             <a:lvl1pPr>
-              <a:defRPr sz="2400"/>
+              <a:defRPr sz="1800"/>
             </a:lvl1pPr>
             <a:lvl2pPr>
-              <a:defRPr sz="2000"/>
+              <a:defRPr sz="1500"/>
             </a:lvl2pPr>
             <a:lvl3pPr>
-              <a:defRPr sz="1800"/>
+              <a:defRPr sz="1350"/>
             </a:lvl3pPr>
             <a:lvl4pPr>
-              <a:defRPr sz="1600"/>
+              <a:defRPr sz="1200"/>
             </a:lvl4pPr>
             <a:lvl5pPr>
-              <a:defRPr sz="1600"/>
+              <a:defRPr sz="1200"/>
             </a:lvl5pPr>
             <a:lvl6pPr>
-              <a:defRPr sz="1600"/>
+              <a:defRPr sz="1200"/>
             </a:lvl6pPr>
             <a:lvl7pPr>
-              <a:defRPr sz="1600"/>
+              <a:defRPr sz="1200"/>
             </a:lvl7pPr>
             <a:lvl8pPr>
-              <a:defRPr sz="1600"/>
+              <a:defRPr sz="1200"/>
             </a:lvl8pPr>
             <a:lvl9pPr>
-              <a:defRPr sz="1600"/>
+              <a:defRPr sz="1200"/>
             </a:lvl9pPr>
           </a:lstStyle>
           <a:p>
             <a:pPr lvl="0"/>
             <a:r>
-              <a:rPr lang="en-US" smtClean="0"/>
+              <a:rPr lang="en-US"/>
               <a:t>Click to edit Master text styles</a:t>
             </a:r>
           </a:p>
           <a:p>
             <a:pPr lvl="1"/>
             <a:r>
-              <a:rPr lang="en-US" smtClean="0"/>
+              <a:rPr lang="en-US"/>
               <a:t>Second level</a:t>
             </a:r>
           </a:p>
           <a:p>
             <a:pPr lvl="2"/>
             <a:r>
-              <a:rPr lang="en-US" smtClean="0"/>
+              <a:rPr lang="en-US"/>
               <a:t>Third level</a:t>
             </a:r>
           </a:p>
           <a:p>
             <a:pPr lvl="3"/>
             <a:r>
-              <a:rPr lang="en-US" smtClean="0"/>
+              <a:rPr lang="en-US"/>
               <a:t>Fourth level</a:t>
             </a:r>
           </a:p>
           <a:p>
             <a:pPr lvl="4"/>
             <a:r>
-              <a:rPr lang="en-US" smtClean="0"/>
+              <a:rPr lang="en-US"/>
               <a:t>Fifth level</a:t>
             </a:r>
-            <a:endParaRPr lang="en-US"/>
           </a:p>
         </p:txBody>
       </p:sp>
@@ -1609,8 +1614,8 @@
         </p:nvSpPr>
         <p:spPr>
           <a:xfrm>
-            <a:off x="4645025" y="1535113"/>
-            <a:ext cx="4041775" cy="639762"/>
+            <a:off x="4645026" y="1151335"/>
+            <a:ext cx="4041775" cy="479822"/>
           </a:xfrm>
         </p:spPr>
         <p:txBody>
@@ -1618,45 +1623,45 @@
           <a:lstStyle>
             <a:lvl1pPr marL="0" indent="0">
               <a:buNone/>
-              <a:defRPr sz="2400" b="1"/>
+              <a:defRPr sz="1800" b="1"/>
             </a:lvl1pPr>
-            <a:lvl2pPr marL="457200" indent="0">
-              <a:buNone/>
-              <a:defRPr sz="2000" b="1"/>
+            <a:lvl2pPr marL="342900" indent="0">
+              <a:buNone/>
+              <a:defRPr sz="1500" b="1"/>
             </a:lvl2pPr>
-            <a:lvl3pPr marL="914400" indent="0">
-              <a:buNone/>
-              <a:defRPr sz="1800" b="1"/>
+            <a:lvl3pPr marL="685800" indent="0">
+              <a:buNone/>
+              <a:defRPr sz="1350" b="1"/>
             </a:lvl3pPr>
-            <a:lvl4pPr marL="1371600" indent="0">
-              <a:buNone/>
-              <a:defRPr sz="1600" b="1"/>
+            <a:lvl4pPr marL="1028700" indent="0">
+              <a:buNone/>
+              <a:defRPr sz="1200" b="1"/>
             </a:lvl4pPr>
-            <a:lvl5pPr marL="1828800" indent="0">
-              <a:buNone/>
-              <a:defRPr sz="1600" b="1"/>
+            <a:lvl5pPr marL="1371600" indent="0">
+              <a:buNone/>
+              <a:defRPr sz="1200" b="1"/>
             </a:lvl5pPr>
-            <a:lvl6pPr marL="2286000" indent="0">
-              <a:buNone/>
-              <a:defRPr sz="1600" b="1"/>
+            <a:lvl6pPr marL="1714500" indent="0">
+              <a:buNone/>
+              <a:defRPr sz="1200" b="1"/>
             </a:lvl6pPr>
-            <a:lvl7pPr marL="2743200" indent="0">
-              <a:buNone/>
-              <a:defRPr sz="1600" b="1"/>
+            <a:lvl7pPr marL="2057400" indent="0">
+              <a:buNone/>
+              <a:defRPr sz="1200" b="1"/>
             </a:lvl7pPr>
-            <a:lvl8pPr marL="3200400" indent="0">
-              <a:buNone/>
-              <a:defRPr sz="1600" b="1"/>
+            <a:lvl8pPr marL="2400300" indent="0">
+              <a:buNone/>
+              <a:defRPr sz="1200" b="1"/>
             </a:lvl8pPr>
-            <a:lvl9pPr marL="3657600" indent="0">
-              <a:buNone/>
-              <a:defRPr sz="1600" b="1"/>
+            <a:lvl9pPr marL="2743200" indent="0">
+              <a:buNone/>
+              <a:defRPr sz="1200" b="1"/>
             </a:lvl9pPr>
           </a:lstStyle>
           <a:p>
             <a:pPr lvl="0"/>
             <a:r>
-              <a:rPr lang="en-US" smtClean="0"/>
+              <a:rPr lang="en-US"/>
               <a:t>Click to edit Master text styles</a:t>
             </a:r>
           </a:p>
@@ -1674,97 +1679,96 @@
         </p:nvSpPr>
         <p:spPr>
           <a:xfrm>
-            <a:off x="4645025" y="2174875"/>
-            <a:ext cx="4041775" cy="3951288"/>
+            <a:off x="4645026" y="1631156"/>
+            <a:ext cx="4041775" cy="2963466"/>
           </a:xfrm>
         </p:spPr>
         <p:txBody>
           <a:bodyPr/>
           <a:lstStyle>
             <a:lvl1pPr>
-              <a:defRPr sz="2400"/>
+              <a:defRPr sz="1800"/>
             </a:lvl1pPr>
             <a:lvl2pPr>
-              <a:defRPr sz="2000"/>
+              <a:defRPr sz="1500"/>
             </a:lvl2pPr>
             <a:lvl3pPr>
-              <a:defRPr sz="1800"/>
+              <a:defRPr sz="1350"/>
             </a:lvl3pPr>
             <a:lvl4pPr>
-              <a:defRPr sz="1600"/>
+              <a:defRPr sz="1200"/>
             </a:lvl4pPr>
             <a:lvl5pPr>
-              <a:defRPr sz="1600"/>
+              <a:defRPr sz="1200"/>
             </a:lvl5pPr>
             <a:lvl6pPr>
-              <a:defRPr sz="1600"/>
+              <a:defRPr sz="1200"/>
             </a:lvl6pPr>
             <a:lvl7pPr>
-              <a:defRPr sz="1600"/>
+              <a:defRPr sz="1200"/>
             </a:lvl7pPr>
             <a:lvl8pPr>
-              <a:defRPr sz="1600"/>
+              <a:defRPr sz="1200"/>
             </a:lvl8pPr>
             <a:lvl9pPr>
-              <a:defRPr sz="1600"/>
+              <a:defRPr sz="1200"/>
             </a:lvl9pPr>
           </a:lstStyle>
           <a:p>
             <a:pPr lvl="0"/>
             <a:r>
+              <a:rPr lang="en-US"/>
+              <a:t>Click to edit Master text styles</a:t>
+            </a:r>
+          </a:p>
+          <a:p>
+            <a:pPr lvl="1"/>
+            <a:r>
+              <a:rPr lang="en-US"/>
+              <a:t>Second level</a:t>
+            </a:r>
+          </a:p>
+          <a:p>
+            <a:pPr lvl="2"/>
+            <a:r>
+              <a:rPr lang="en-US"/>
+              <a:t>Third level</a:t>
+            </a:r>
+          </a:p>
+          <a:p>
+            <a:pPr lvl="3"/>
+            <a:r>
+              <a:rPr lang="en-US"/>
+              <a:t>Fourth level</a:t>
+            </a:r>
+          </a:p>
+          <a:p>
+            <a:pPr lvl="4"/>
+            <a:r>
+              <a:rPr lang="en-US"/>
+              <a:t>Fifth level</a:t>
+            </a:r>
+          </a:p>
+        </p:txBody>
+      </p:sp>
+      <p:sp>
+        <p:nvSpPr>
+          <p:cNvPr id="7" name="Date Placeholder 6"/>
+          <p:cNvSpPr>
+            <a:spLocks noGrp="1"/>
+          </p:cNvSpPr>
+          <p:nvPr>
+            <p:ph type="dt" sz="half" idx="10"/>
+          </p:nvPr>
+        </p:nvSpPr>
+        <p:spPr/>
+        <p:txBody>
+          <a:bodyPr/>
+          <a:lstStyle/>
+          <a:p>
+            <a:fld id="{241EB5C9-1307-BA42-ABA2-0BC069CD8E7F}" type="datetimeFigureOut">
               <a:rPr lang="en-US" smtClean="0"/>
-              <a:t>Click to edit Master text styles</a:t>
-            </a:r>
-          </a:p>
-          <a:p>
-            <a:pPr lvl="1"/>
-            <a:r>
-              <a:rPr lang="en-US" smtClean="0"/>
-              <a:t>Second level</a:t>
-            </a:r>
-          </a:p>
-          <a:p>
-            <a:pPr lvl="2"/>
-            <a:r>
-              <a:rPr lang="en-US" smtClean="0"/>
-              <a:t>Third level</a:t>
-            </a:r>
-          </a:p>
-          <a:p>
-            <a:pPr lvl="3"/>
-            <a:r>
-              <a:rPr lang="en-US" smtClean="0"/>
-              <a:t>Fourth level</a:t>
-            </a:r>
-          </a:p>
-          <a:p>
-            <a:pPr lvl="4"/>
-            <a:r>
-              <a:rPr lang="en-US" smtClean="0"/>
-              <a:t>Fifth level</a:t>
-            </a:r>
-            <a:endParaRPr lang="en-US"/>
-          </a:p>
-        </p:txBody>
-      </p:sp>
-      <p:sp>
-        <p:nvSpPr>
-          <p:cNvPr id="7" name="Date Placeholder 6"/>
-          <p:cNvSpPr>
-            <a:spLocks noGrp="1"/>
-          </p:cNvSpPr>
-          <p:nvPr>
-            <p:ph type="dt" sz="half" idx="10"/>
-          </p:nvPr>
-        </p:nvSpPr>
-        <p:spPr/>
-        <p:txBody>
-          <a:bodyPr/>
-          <a:lstStyle/>
-          <a:p>
-            <a:fld id="{5BCAD085-E8A6-8845-BD4E-CB4CCA059FC4}" type="datetimeFigureOut">
-              <a:rPr lang="en-US" smtClean="0"/>
-              <a:t>1/27/13</a:t>
+              <a:t>1/2/22</a:t>
             </a:fld>
             <a:endParaRPr lang="en-US"/>
           </a:p>
@@ -1804,7 +1808,7 @@
           <a:bodyPr/>
           <a:lstStyle/>
           <a:p>
-            <a:fld id="{C1FF6DA9-008F-8B48-92A6-B652298478BF}" type="slidenum">
+            <a:fld id="{C5EF2332-01BF-834F-8236-50238282D533}" type="slidenum">
               <a:rPr lang="en-US" smtClean="0"/>
               <a:t>‹#›</a:t>
             </a:fld>
@@ -1815,7 +1819,7 @@
     </p:spTree>
     <p:extLst>
       <p:ext uri="{BB962C8B-B14F-4D97-AF65-F5344CB8AC3E}">
-        <p14:creationId xmlns:p14="http://schemas.microsoft.com/office/powerpoint/2010/main" val="990158736"/>
+        <p14:creationId xmlns:p14="http://schemas.microsoft.com/office/powerpoint/2010/main" val="2535793967"/>
       </p:ext>
     </p:extLst>
   </p:cSld>
@@ -1858,31 +1862,30 @@
           <a:lstStyle/>
           <a:p>
             <a:r>
+              <a:rPr lang="en-US"/>
+              <a:t>Click to edit Master title style</a:t>
+            </a:r>
+          </a:p>
+        </p:txBody>
+      </p:sp>
+      <p:sp>
+        <p:nvSpPr>
+          <p:cNvPr id="3" name="Date Placeholder 2"/>
+          <p:cNvSpPr>
+            <a:spLocks noGrp="1"/>
+          </p:cNvSpPr>
+          <p:nvPr>
+            <p:ph type="dt" sz="half" idx="10"/>
+          </p:nvPr>
+        </p:nvSpPr>
+        <p:spPr/>
+        <p:txBody>
+          <a:bodyPr/>
+          <a:lstStyle/>
+          <a:p>
+            <a:fld id="{241EB5C9-1307-BA42-ABA2-0BC069CD8E7F}" type="datetimeFigureOut">
               <a:rPr lang="en-US" smtClean="0"/>
-              <a:t>Click to edit Master title style</a:t>
-            </a:r>
-            <a:endParaRPr lang="en-US"/>
-          </a:p>
-        </p:txBody>
-      </p:sp>
-      <p:sp>
-        <p:nvSpPr>
-          <p:cNvPr id="3" name="Date Placeholder 2"/>
-          <p:cNvSpPr>
-            <a:spLocks noGrp="1"/>
-          </p:cNvSpPr>
-          <p:nvPr>
-            <p:ph type="dt" sz="half" idx="10"/>
-          </p:nvPr>
-        </p:nvSpPr>
-        <p:spPr/>
-        <p:txBody>
-          <a:bodyPr/>
-          <a:lstStyle/>
-          <a:p>
-            <a:fld id="{5BCAD085-E8A6-8845-BD4E-CB4CCA059FC4}" type="datetimeFigureOut">
-              <a:rPr lang="en-US" smtClean="0"/>
-              <a:t>1/27/13</a:t>
+              <a:t>1/2/22</a:t>
             </a:fld>
             <a:endParaRPr lang="en-US"/>
           </a:p>
@@ -1922,7 +1925,7 @@
           <a:bodyPr/>
           <a:lstStyle/>
           <a:p>
-            <a:fld id="{C1FF6DA9-008F-8B48-92A6-B652298478BF}" type="slidenum">
+            <a:fld id="{C5EF2332-01BF-834F-8236-50238282D533}" type="slidenum">
               <a:rPr lang="en-US" smtClean="0"/>
               <a:t>‹#›</a:t>
             </a:fld>
@@ -1933,7 +1936,7 @@
     </p:spTree>
     <p:extLst>
       <p:ext uri="{BB962C8B-B14F-4D97-AF65-F5344CB8AC3E}">
-        <p14:creationId xmlns:p14="http://schemas.microsoft.com/office/powerpoint/2010/main" val="727027711"/>
+        <p14:creationId xmlns:p14="http://schemas.microsoft.com/office/powerpoint/2010/main" val="3472721253"/>
       </p:ext>
     </p:extLst>
   </p:cSld>
@@ -1975,9 +1978,9 @@
           <a:bodyPr/>
           <a:lstStyle/>
           <a:p>
-            <a:fld id="{5BCAD085-E8A6-8845-BD4E-CB4CCA059FC4}" type="datetimeFigureOut">
+            <a:fld id="{241EB5C9-1307-BA42-ABA2-0BC069CD8E7F}" type="datetimeFigureOut">
               <a:rPr lang="en-US" smtClean="0"/>
-              <a:t>1/27/13</a:t>
+              <a:t>1/2/22</a:t>
             </a:fld>
             <a:endParaRPr lang="en-US"/>
           </a:p>
@@ -2017,7 +2020,7 @@
           <a:bodyPr/>
           <a:lstStyle/>
           <a:p>
-            <a:fld id="{C1FF6DA9-008F-8B48-92A6-B652298478BF}" type="slidenum">
+            <a:fld id="{C5EF2332-01BF-834F-8236-50238282D533}" type="slidenum">
               <a:rPr lang="en-US" smtClean="0"/>
               <a:t>‹#›</a:t>
             </a:fld>
@@ -2028,7 +2031,7 @@
     </p:spTree>
     <p:extLst>
       <p:ext uri="{BB962C8B-B14F-4D97-AF65-F5344CB8AC3E}">
-        <p14:creationId xmlns:p14="http://schemas.microsoft.com/office/powerpoint/2010/main" val="1212999818"/>
+        <p14:creationId xmlns:p14="http://schemas.microsoft.com/office/powerpoint/2010/main" val="2130901097"/>
       </p:ext>
     </p:extLst>
   </p:cSld>
@@ -2067,23 +2070,22 @@
         </p:nvSpPr>
         <p:spPr>
           <a:xfrm>
-            <a:off x="457200" y="273050"/>
-            <a:ext cx="3008313" cy="1162050"/>
+            <a:off x="457201" y="204787"/>
+            <a:ext cx="3008313" cy="871538"/>
           </a:xfrm>
         </p:spPr>
         <p:txBody>
           <a:bodyPr anchor="b"/>
           <a:lstStyle>
             <a:lvl1pPr algn="l">
-              <a:defRPr sz="2000" b="1"/>
+              <a:defRPr sz="1500" b="1"/>
             </a:lvl1pPr>
           </a:lstStyle>
           <a:p>
             <a:r>
-              <a:rPr lang="en-US" smtClean="0"/>
+              <a:rPr lang="en-US"/>
               <a:t>Click to edit Master title style</a:t>
             </a:r>
-            <a:endParaRPr lang="en-US"/>
           </a:p>
         </p:txBody>
       </p:sp>
@@ -2099,76 +2101,75 @@
         </p:nvSpPr>
         <p:spPr>
           <a:xfrm>
-            <a:off x="3575050" y="273050"/>
-            <a:ext cx="5111750" cy="5853113"/>
+            <a:off x="3575050" y="204788"/>
+            <a:ext cx="5111750" cy="4389835"/>
           </a:xfrm>
         </p:spPr>
         <p:txBody>
           <a:bodyPr/>
           <a:lstStyle>
             <a:lvl1pPr>
-              <a:defRPr sz="3200"/>
+              <a:defRPr sz="2400"/>
             </a:lvl1pPr>
             <a:lvl2pPr>
-              <a:defRPr sz="2800"/>
+              <a:defRPr sz="2100"/>
             </a:lvl2pPr>
             <a:lvl3pPr>
-              <a:defRPr sz="2400"/>
+              <a:defRPr sz="1800"/>
             </a:lvl3pPr>
             <a:lvl4pPr>
-              <a:defRPr sz="2000"/>
+              <a:defRPr sz="1500"/>
             </a:lvl4pPr>
             <a:lvl5pPr>
-              <a:defRPr sz="2000"/>
+              <a:defRPr sz="1500"/>
             </a:lvl5pPr>
             <a:lvl6pPr>
-              <a:defRPr sz="2000"/>
+              <a:defRPr sz="1500"/>
             </a:lvl6pPr>
             <a:lvl7pPr>
-              <a:defRPr sz="2000"/>
+              <a:defRPr sz="1500"/>
             </a:lvl7pPr>
             <a:lvl8pPr>
-              <a:defRPr sz="2000"/>
+              <a:defRPr sz="1500"/>
             </a:lvl8pPr>
             <a:lvl9pPr>
-              <a:defRPr sz="2000"/>
+              <a:defRPr sz="1500"/>
             </a:lvl9pPr>
           </a:lstStyle>
           <a:p>
             <a:pPr lvl="0"/>
             <a:r>
-              <a:rPr lang="en-US" smtClean="0"/>
+              <a:rPr lang="en-US"/>
               <a:t>Click to edit Master text styles</a:t>
             </a:r>
           </a:p>
           <a:p>
             <a:pPr lvl="1"/>
             <a:r>
-              <a:rPr lang="en-US" smtClean="0"/>
+              <a:rPr lang="en-US"/>
               <a:t>Second level</a:t>
             </a:r>
           </a:p>
           <a:p>
             <a:pPr lvl="2"/>
             <a:r>
-              <a:rPr lang="en-US" smtClean="0"/>
+              <a:rPr lang="en-US"/>
               <a:t>Third level</a:t>
             </a:r>
           </a:p>
           <a:p>
             <a:pPr lvl="3"/>
             <a:r>
-              <a:rPr lang="en-US" smtClean="0"/>
+              <a:rPr lang="en-US"/>
               <a:t>Fourth level</a:t>
             </a:r>
           </a:p>
           <a:p>
             <a:pPr lvl="4"/>
             <a:r>
-              <a:rPr lang="en-US" smtClean="0"/>
+              <a:rPr lang="en-US"/>
               <a:t>Fifth level</a:t>
             </a:r>
-            <a:endParaRPr lang="en-US"/>
           </a:p>
         </p:txBody>
       </p:sp>
@@ -2184,8 +2185,8 @@
         </p:nvSpPr>
         <p:spPr>
           <a:xfrm>
-            <a:off x="457200" y="1435100"/>
-            <a:ext cx="3008313" cy="4691063"/>
+            <a:off x="457201" y="1076326"/>
+            <a:ext cx="3008313" cy="3518297"/>
           </a:xfrm>
         </p:spPr>
         <p:txBody>
@@ -2193,68 +2194,68 @@
           <a:lstStyle>
             <a:lvl1pPr marL="0" indent="0">
               <a:buNone/>
-              <a:defRPr sz="1400"/>
+              <a:defRPr sz="1050"/>
             </a:lvl1pPr>
-            <a:lvl2pPr marL="457200" indent="0">
-              <a:buNone/>
-              <a:defRPr sz="1200"/>
+            <a:lvl2pPr marL="342900" indent="0">
+              <a:buNone/>
+              <a:defRPr sz="900"/>
             </a:lvl2pPr>
-            <a:lvl3pPr marL="914400" indent="0">
-              <a:buNone/>
-              <a:defRPr sz="1000"/>
+            <a:lvl3pPr marL="685800" indent="0">
+              <a:buNone/>
+              <a:defRPr sz="750"/>
             </a:lvl3pPr>
-            <a:lvl4pPr marL="1371600" indent="0">
-              <a:buNone/>
-              <a:defRPr sz="900"/>
+            <a:lvl4pPr marL="1028700" indent="0">
+              <a:buNone/>
+              <a:defRPr sz="675"/>
             </a:lvl4pPr>
-            <a:lvl5pPr marL="1828800" indent="0">
-              <a:buNone/>
-              <a:defRPr sz="900"/>
+            <a:lvl5pPr marL="1371600" indent="0">
+              <a:buNone/>
+              <a:defRPr sz="675"/>
             </a:lvl5pPr>
-            <a:lvl6pPr marL="2286000" indent="0">
-              <a:buNone/>
-              <a:defRPr sz="900"/>
+            <a:lvl6pPr marL="1714500" indent="0">
+              <a:buNone/>
+              <a:defRPr sz="675"/>
             </a:lvl6pPr>
-            <a:lvl7pPr marL="2743200" indent="0">
-              <a:buNone/>
-              <a:defRPr sz="900"/>
+            <a:lvl7pPr marL="2057400" indent="0">
+              <a:buNone/>
+              <a:defRPr sz="675"/>
             </a:lvl7pPr>
-            <a:lvl8pPr marL="3200400" indent="0">
-              <a:buNone/>
-              <a:defRPr sz="900"/>
+            <a:lvl8pPr marL="2400300" indent="0">
+              <a:buNone/>
+              <a:defRPr sz="675"/>
             </a:lvl8pPr>
-            <a:lvl9pPr marL="3657600" indent="0">
-              <a:buNone/>
-              <a:defRPr sz="900"/>
+            <a:lvl9pPr marL="2743200" indent="0">
+              <a:buNone/>
+              <a:defRPr sz="675"/>
             </a:lvl9pPr>
           </a:lstStyle>
           <a:p>
             <a:pPr lvl="0"/>
             <a:r>
+              <a:rPr lang="en-US"/>
+              <a:t>Click to edit Master text styles</a:t>
+            </a:r>
+          </a:p>
+        </p:txBody>
+      </p:sp>
+      <p:sp>
+        <p:nvSpPr>
+          <p:cNvPr id="5" name="Date Placeholder 4"/>
+          <p:cNvSpPr>
+            <a:spLocks noGrp="1"/>
+          </p:cNvSpPr>
+          <p:nvPr>
+            <p:ph type="dt" sz="half" idx="10"/>
+          </p:nvPr>
+        </p:nvSpPr>
+        <p:spPr/>
+        <p:txBody>
+          <a:bodyPr/>
+          <a:lstStyle/>
+          <a:p>
+            <a:fld id="{241EB5C9-1307-BA42-ABA2-0BC069CD8E7F}" type="datetimeFigureOut">
               <a:rPr lang="en-US" smtClean="0"/>
-              <a:t>Click to edit Master text styles</a:t>
-            </a:r>
-          </a:p>
-        </p:txBody>
-      </p:sp>
-      <p:sp>
-        <p:nvSpPr>
-          <p:cNvPr id="5" name="Date Placeholder 4"/>
-          <p:cNvSpPr>
-            <a:spLocks noGrp="1"/>
-          </p:cNvSpPr>
-          <p:nvPr>
-            <p:ph type="dt" sz="half" idx="10"/>
-          </p:nvPr>
-        </p:nvSpPr>
-        <p:spPr/>
-        <p:txBody>
-          <a:bodyPr/>
-          <a:lstStyle/>
-          <a:p>
-            <a:fld id="{5BCAD085-E8A6-8845-BD4E-CB4CCA059FC4}" type="datetimeFigureOut">
-              <a:rPr lang="en-US" smtClean="0"/>
-              <a:t>1/27/13</a:t>
+              <a:t>1/2/22</a:t>
             </a:fld>
             <a:endParaRPr lang="en-US"/>
           </a:p>
@@ -2294,7 +2295,7 @@
           <a:bodyPr/>
           <a:lstStyle/>
           <a:p>
-            <a:fld id="{C1FF6DA9-008F-8B48-92A6-B652298478BF}" type="slidenum">
+            <a:fld id="{C5EF2332-01BF-834F-8236-50238282D533}" type="slidenum">
               <a:rPr lang="en-US" smtClean="0"/>
               <a:t>‹#›</a:t>
             </a:fld>
@@ -2305,7 +2306,7 @@
     </p:spTree>
     <p:extLst>
       <p:ext uri="{BB962C8B-B14F-4D97-AF65-F5344CB8AC3E}">
-        <p14:creationId xmlns:p14="http://schemas.microsoft.com/office/powerpoint/2010/main" val="1840726560"/>
+        <p14:creationId xmlns:p14="http://schemas.microsoft.com/office/powerpoint/2010/main" val="3540895647"/>
       </p:ext>
     </p:extLst>
   </p:cSld>
@@ -2344,23 +2345,22 @@
         </p:nvSpPr>
         <p:spPr>
           <a:xfrm>
-            <a:off x="1792288" y="4800600"/>
-            <a:ext cx="5486400" cy="566738"/>
+            <a:off x="1792288" y="3600450"/>
+            <a:ext cx="5486400" cy="425054"/>
           </a:xfrm>
         </p:spPr>
         <p:txBody>
           <a:bodyPr anchor="b"/>
           <a:lstStyle>
             <a:lvl1pPr algn="l">
-              <a:defRPr sz="2000" b="1"/>
+              <a:defRPr sz="1500" b="1"/>
             </a:lvl1pPr>
           </a:lstStyle>
           <a:p>
             <a:r>
-              <a:rPr lang="en-US" smtClean="0"/>
+              <a:rPr lang="en-US"/>
               <a:t>Click to edit Master title style</a:t>
             </a:r>
-            <a:endParaRPr lang="en-US"/>
           </a:p>
         </p:txBody>
       </p:sp>
@@ -2376,8 +2376,8 @@
         </p:nvSpPr>
         <p:spPr>
           <a:xfrm>
-            <a:off x="1792288" y="612775"/>
-            <a:ext cx="5486400" cy="4114800"/>
+            <a:off x="1792288" y="459581"/>
+            <a:ext cx="5486400" cy="3086100"/>
           </a:xfrm>
         </p:spPr>
         <p:txBody>
@@ -2385,39 +2385,39 @@
           <a:lstStyle>
             <a:lvl1pPr marL="0" indent="0">
               <a:buNone/>
-              <a:defRPr sz="3200"/>
+              <a:defRPr sz="2400"/>
             </a:lvl1pPr>
-            <a:lvl2pPr marL="457200" indent="0">
-              <a:buNone/>
-              <a:defRPr sz="2800"/>
+            <a:lvl2pPr marL="342900" indent="0">
+              <a:buNone/>
+              <a:defRPr sz="2100"/>
             </a:lvl2pPr>
-            <a:lvl3pPr marL="914400" indent="0">
-              <a:buNone/>
-              <a:defRPr sz="2400"/>
+            <a:lvl3pPr marL="685800" indent="0">
+              <a:buNone/>
+              <a:defRPr sz="1800"/>
             </a:lvl3pPr>
-            <a:lvl4pPr marL="1371600" indent="0">
-              <a:buNone/>
-              <a:defRPr sz="2000"/>
+            <a:lvl4pPr marL="1028700" indent="0">
+              <a:buNone/>
+              <a:defRPr sz="1500"/>
             </a:lvl4pPr>
-            <a:lvl5pPr marL="1828800" indent="0">
-              <a:buNone/>
-              <a:defRPr sz="2000"/>
+            <a:lvl5pPr marL="1371600" indent="0">
+              <a:buNone/>
+              <a:defRPr sz="1500"/>
             </a:lvl5pPr>
-            <a:lvl6pPr marL="2286000" indent="0">
-              <a:buNone/>
-              <a:defRPr sz="2000"/>
+            <a:lvl6pPr marL="1714500" indent="0">
+              <a:buNone/>
+              <a:defRPr sz="1500"/>
             </a:lvl6pPr>
-            <a:lvl7pPr marL="2743200" indent="0">
-              <a:buNone/>
-              <a:defRPr sz="2000"/>
+            <a:lvl7pPr marL="2057400" indent="0">
+              <a:buNone/>
+              <a:defRPr sz="1500"/>
             </a:lvl7pPr>
-            <a:lvl8pPr marL="3200400" indent="0">
-              <a:buNone/>
-              <a:defRPr sz="2000"/>
+            <a:lvl8pPr marL="2400300" indent="0">
+              <a:buNone/>
+              <a:defRPr sz="1500"/>
             </a:lvl8pPr>
-            <a:lvl9pPr marL="3657600" indent="0">
-              <a:buNone/>
-              <a:defRPr sz="2000"/>
+            <a:lvl9pPr marL="2743200" indent="0">
+              <a:buNone/>
+              <a:defRPr sz="1500"/>
             </a:lvl9pPr>
           </a:lstStyle>
           <a:p>
@@ -2437,8 +2437,8 @@
         </p:nvSpPr>
         <p:spPr>
           <a:xfrm>
-            <a:off x="1792288" y="5367338"/>
-            <a:ext cx="5486400" cy="804862"/>
+            <a:off x="1792288" y="4025503"/>
+            <a:ext cx="5486400" cy="603647"/>
           </a:xfrm>
         </p:spPr>
         <p:txBody>
@@ -2446,68 +2446,68 @@
           <a:lstStyle>
             <a:lvl1pPr marL="0" indent="0">
               <a:buNone/>
-              <a:defRPr sz="1400"/>
+              <a:defRPr sz="1050"/>
             </a:lvl1pPr>
-            <a:lvl2pPr marL="457200" indent="0">
-              <a:buNone/>
-              <a:defRPr sz="1200"/>
+            <a:lvl2pPr marL="342900" indent="0">
+              <a:buNone/>
+              <a:defRPr sz="900"/>
             </a:lvl2pPr>
-            <a:lvl3pPr marL="914400" indent="0">
-              <a:buNone/>
-              <a:defRPr sz="1000"/>
+            <a:lvl3pPr marL="685800" indent="0">
+              <a:buNone/>
+              <a:defRPr sz="750"/>
             </a:lvl3pPr>
-            <a:lvl4pPr marL="1371600" indent="0">
-              <a:buNone/>
-              <a:defRPr sz="900"/>
+            <a:lvl4pPr marL="1028700" indent="0">
+              <a:buNone/>
+              <a:defRPr sz="675"/>
             </a:lvl4pPr>
-            <a:lvl5pPr marL="1828800" indent="0">
-              <a:buNone/>
-              <a:defRPr sz="900"/>
+            <a:lvl5pPr marL="1371600" indent="0">
+              <a:buNone/>
+              <a:defRPr sz="675"/>
             </a:lvl5pPr>
-            <a:lvl6pPr marL="2286000" indent="0">
-              <a:buNone/>
-              <a:defRPr sz="900"/>
+            <a:lvl6pPr marL="1714500" indent="0">
+              <a:buNone/>
+              <a:defRPr sz="675"/>
             </a:lvl6pPr>
-            <a:lvl7pPr marL="2743200" indent="0">
-              <a:buNone/>
-              <a:defRPr sz="900"/>
+            <a:lvl7pPr marL="2057400" indent="0">
+              <a:buNone/>
+              <a:defRPr sz="675"/>
             </a:lvl7pPr>
-            <a:lvl8pPr marL="3200400" indent="0">
-              <a:buNone/>
-              <a:defRPr sz="900"/>
+            <a:lvl8pPr marL="2400300" indent="0">
+              <a:buNone/>
+              <a:defRPr sz="675"/>
             </a:lvl8pPr>
-            <a:lvl9pPr marL="3657600" indent="0">
-              <a:buNone/>
-              <a:defRPr sz="900"/>
+            <a:lvl9pPr marL="2743200" indent="0">
+              <a:buNone/>
+              <a:defRPr sz="675"/>
             </a:lvl9pPr>
           </a:lstStyle>
           <a:p>
             <a:pPr lvl="0"/>
             <a:r>
+              <a:rPr lang="en-US"/>
+              <a:t>Click to edit Master text styles</a:t>
+            </a:r>
+          </a:p>
+        </p:txBody>
+      </p:sp>
+      <p:sp>
+        <p:nvSpPr>
+          <p:cNvPr id="5" name="Date Placeholder 4"/>
+          <p:cNvSpPr>
+            <a:spLocks noGrp="1"/>
+          </p:cNvSpPr>
+          <p:nvPr>
+            <p:ph type="dt" sz="half" idx="10"/>
+          </p:nvPr>
+        </p:nvSpPr>
+        <p:spPr/>
+        <p:txBody>
+          <a:bodyPr/>
+          <a:lstStyle/>
+          <a:p>
+            <a:fld id="{241EB5C9-1307-BA42-ABA2-0BC069CD8E7F}" type="datetimeFigureOut">
               <a:rPr lang="en-US" smtClean="0"/>
-              <a:t>Click to edit Master text styles</a:t>
-            </a:r>
-          </a:p>
-        </p:txBody>
-      </p:sp>
-      <p:sp>
-        <p:nvSpPr>
-          <p:cNvPr id="5" name="Date Placeholder 4"/>
-          <p:cNvSpPr>
-            <a:spLocks noGrp="1"/>
-          </p:cNvSpPr>
-          <p:nvPr>
-            <p:ph type="dt" sz="half" idx="10"/>
-          </p:nvPr>
-        </p:nvSpPr>
-        <p:spPr/>
-        <p:txBody>
-          <a:bodyPr/>
-          <a:lstStyle/>
-          <a:p>
-            <a:fld id="{5BCAD085-E8A6-8845-BD4E-CB4CCA059FC4}" type="datetimeFigureOut">
-              <a:rPr lang="en-US" smtClean="0"/>
-              <a:t>1/27/13</a:t>
+              <a:t>1/2/22</a:t>
             </a:fld>
             <a:endParaRPr lang="en-US"/>
           </a:p>
@@ -2547,7 +2547,7 @@
           <a:bodyPr/>
           <a:lstStyle/>
           <a:p>
-            <a:fld id="{C1FF6DA9-008F-8B48-92A6-B652298478BF}" type="slidenum">
+            <a:fld id="{C5EF2332-01BF-834F-8236-50238282D533}" type="slidenum">
               <a:rPr lang="en-US" smtClean="0"/>
               <a:t>‹#›</a:t>
             </a:fld>
@@ -2558,7 +2558,7 @@
     </p:spTree>
     <p:extLst>
       <p:ext uri="{BB962C8B-B14F-4D97-AF65-F5344CB8AC3E}">
-        <p14:creationId xmlns:p14="http://schemas.microsoft.com/office/powerpoint/2010/main" val="3889236939"/>
+        <p14:creationId xmlns:p14="http://schemas.microsoft.com/office/powerpoint/2010/main" val="3566899855"/>
       </p:ext>
     </p:extLst>
   </p:cSld>
@@ -2569,7 +2569,7 @@
 </file>
 
 <file path=ppt/slideMasters/slideMaster1.xml><?xml version="1.0" encoding="utf-8"?>
-<p:sldMaster xmlns:a="http://schemas.openxmlformats.org/drawingml/2006/main" xmlns:r="http://schemas.openxmlformats.org/officeDocument/2006/relationships" xmlns:p="http://schemas.openxmlformats.org/presentationml/2006/main">
+<p:sldMaster xmlns:a="http://schemas.openxmlformats.org/drawingml/2006/main" xmlns:p="http://schemas.openxmlformats.org/presentationml/2006/main" xmlns:r="http://schemas.openxmlformats.org/officeDocument/2006/relationships">
   <p:cSld>
     <p:bg>
       <p:bgRef idx="1001">
@@ -2602,24 +2602,23 @@
         </p:nvSpPr>
         <p:spPr>
           <a:xfrm>
-            <a:off x="457200" y="274638"/>
-            <a:ext cx="8229600" cy="1143000"/>
+            <a:off x="457200" y="205979"/>
+            <a:ext cx="8229600" cy="857250"/>
           </a:xfrm>
           <a:prstGeom prst="rect">
             <a:avLst/>
           </a:prstGeom>
         </p:spPr>
         <p:txBody>
-          <a:bodyPr vert="horz" lIns="91440" tIns="45720" rIns="91440" bIns="45720" rtlCol="0" anchor="ctr">
+          <a:bodyPr anchor="ctr" bIns="45720" lIns="91440" rIns="91440" rtlCol="0" tIns="45720" vert="horz">
             <a:normAutofit/>
           </a:bodyPr>
           <a:lstStyle/>
           <a:p>
             <a:r>
-              <a:rPr lang="en-US" smtClean="0"/>
+              <a:rPr lang="en-US"/>
               <a:t>Click to edit Master title style</a:t>
             </a:r>
-            <a:endParaRPr lang="en-US"/>
           </a:p>
         </p:txBody>
       </p:sp>
@@ -2630,58 +2629,57 @@
             <a:spLocks noGrp="1"/>
           </p:cNvSpPr>
           <p:nvPr>
-            <p:ph type="body" idx="1"/>
+            <p:ph idx="1" type="body"/>
           </p:nvPr>
         </p:nvSpPr>
         <p:spPr>
           <a:xfrm>
-            <a:off x="457200" y="1600200"/>
-            <a:ext cx="8229600" cy="4525963"/>
+            <a:off x="457200" y="1200151"/>
+            <a:ext cx="8229600" cy="3394472"/>
           </a:xfrm>
           <a:prstGeom prst="rect">
             <a:avLst/>
           </a:prstGeom>
         </p:spPr>
         <p:txBody>
-          <a:bodyPr vert="horz" lIns="91440" tIns="45720" rIns="91440" bIns="45720" rtlCol="0">
+          <a:bodyPr bIns="45720" lIns="91440" rIns="91440" rtlCol="0" tIns="45720" vert="horz">
             <a:normAutofit/>
           </a:bodyPr>
           <a:lstStyle/>
           <a:p>
             <a:pPr lvl="0"/>
             <a:r>
-              <a:rPr lang="en-US" smtClean="0"/>
+              <a:rPr lang="en-US"/>
               <a:t>Click to edit Master text styles</a:t>
             </a:r>
           </a:p>
           <a:p>
             <a:pPr lvl="1"/>
             <a:r>
-              <a:rPr lang="en-US" smtClean="0"/>
+              <a:rPr lang="en-US"/>
               <a:t>Second level</a:t>
             </a:r>
           </a:p>
           <a:p>
             <a:pPr lvl="2"/>
             <a:r>
-              <a:rPr lang="en-US" smtClean="0"/>
+              <a:rPr lang="en-US"/>
               <a:t>Third level</a:t>
             </a:r>
           </a:p>
           <a:p>
             <a:pPr lvl="3"/>
             <a:r>
-              <a:rPr lang="en-US" smtClean="0"/>
+              <a:rPr lang="en-US"/>
               <a:t>Fourth level</a:t>
             </a:r>
           </a:p>
           <a:p>
             <a:pPr lvl="4"/>
             <a:r>
-              <a:rPr lang="en-US" smtClean="0"/>
+              <a:rPr lang="en-US"/>
               <a:t>Fifth level</a:t>
             </a:r>
-            <a:endParaRPr lang="en-US"/>
           </a:p>
         </p:txBody>
       </p:sp>
@@ -2692,23 +2690,23 @@
             <a:spLocks noGrp="1"/>
           </p:cNvSpPr>
           <p:nvPr>
-            <p:ph type="dt" sz="half" idx="2"/>
+            <p:ph idx="2" sz="half" type="dt"/>
           </p:nvPr>
         </p:nvSpPr>
         <p:spPr>
           <a:xfrm>
-            <a:off x="457200" y="6356350"/>
-            <a:ext cx="2133600" cy="365125"/>
+            <a:off x="457200" y="4767263"/>
+            <a:ext cx="2133600" cy="273844"/>
           </a:xfrm>
           <a:prstGeom prst="rect">
             <a:avLst/>
           </a:prstGeom>
         </p:spPr>
         <p:txBody>
-          <a:bodyPr vert="horz" lIns="91440" tIns="45720" rIns="91440" bIns="45720" rtlCol="0" anchor="ctr"/>
+          <a:bodyPr anchor="ctr" bIns="45720" lIns="91440" rIns="91440" rtlCol="0" tIns="45720" vert="horz"/>
           <a:lstStyle>
             <a:lvl1pPr algn="l">
-              <a:defRPr sz="1200">
+              <a:defRPr sz="900">
                 <a:solidFill>
                   <a:schemeClr val="tx1">
                     <a:tint val="75000"/>
@@ -2718,9 +2716,9 @@
             </a:lvl1pPr>
           </a:lstStyle>
           <a:p>
-            <a:fld id="{5BCAD085-E8A6-8845-BD4E-CB4CCA059FC4}" type="datetimeFigureOut">
+            <a:fld id="{241EB5C9-1307-BA42-ABA2-0BC069CD8E7F}" type="datetimeFigureOut">
               <a:rPr lang="en-US" smtClean="0"/>
-              <a:t>1/27/13</a:t>
+              <a:t>1/2/22</a:t>
             </a:fld>
             <a:endParaRPr lang="en-US"/>
           </a:p>
@@ -2733,23 +2731,23 @@
             <a:spLocks noGrp="1"/>
           </p:cNvSpPr>
           <p:nvPr>
-            <p:ph type="ftr" sz="quarter" idx="3"/>
+            <p:ph idx="3" sz="quarter" type="ftr"/>
           </p:nvPr>
         </p:nvSpPr>
         <p:spPr>
           <a:xfrm>
-            <a:off x="3124200" y="6356350"/>
-            <a:ext cx="2895600" cy="365125"/>
+            <a:off x="3124200" y="4767263"/>
+            <a:ext cx="2895600" cy="273844"/>
           </a:xfrm>
           <a:prstGeom prst="rect">
             <a:avLst/>
           </a:prstGeom>
         </p:spPr>
         <p:txBody>
-          <a:bodyPr vert="horz" lIns="91440" tIns="45720" rIns="91440" bIns="45720" rtlCol="0" anchor="ctr"/>
+          <a:bodyPr anchor="ctr" bIns="45720" lIns="91440" rIns="91440" rtlCol="0" tIns="45720" vert="horz"/>
           <a:lstStyle>
             <a:lvl1pPr algn="ctr">
-              <a:defRPr sz="1200">
+              <a:defRPr sz="900">
                 <a:solidFill>
                   <a:schemeClr val="tx1">
                     <a:tint val="75000"/>
@@ -2770,23 +2768,23 @@
             <a:spLocks noGrp="1"/>
           </p:cNvSpPr>
           <p:nvPr>
-            <p:ph type="sldNum" sz="quarter" idx="4"/>
+            <p:ph idx="4" sz="quarter" type="sldNum"/>
           </p:nvPr>
         </p:nvSpPr>
         <p:spPr>
           <a:xfrm>
-            <a:off x="6553200" y="6356350"/>
-            <a:ext cx="2133600" cy="365125"/>
+            <a:off x="6553200" y="4767263"/>
+            <a:ext cx="2133600" cy="273844"/>
           </a:xfrm>
           <a:prstGeom prst="rect">
             <a:avLst/>
           </a:prstGeom>
         </p:spPr>
         <p:txBody>
-          <a:bodyPr vert="horz" lIns="91440" tIns="45720" rIns="91440" bIns="45720" rtlCol="0" anchor="ctr"/>
+          <a:bodyPr anchor="ctr" bIns="45720" lIns="91440" rIns="91440" rtlCol="0" tIns="45720" vert="horz"/>
           <a:lstStyle>
             <a:lvl1pPr algn="r">
-              <a:defRPr sz="1200">
+              <a:defRPr sz="900">
                 <a:solidFill>
                   <a:schemeClr val="tx1">
                     <a:tint val="75000"/>
@@ -2796,7 +2794,7 @@
             </a:lvl1pPr>
           </a:lstStyle>
           <a:p>
-            <a:fld id="{C1FF6DA9-008F-8B48-92A6-B652298478BF}" type="slidenum">
+            <a:fld id="{C5EF2332-01BF-834F-8236-50238282D533}" type="slidenum">
               <a:rPr lang="en-US" smtClean="0"/>
               <a:t>‹#›</a:t>
             </a:fld>
@@ -2807,11 +2805,11 @@
     </p:spTree>
     <p:extLst>
       <p:ext uri="{BB962C8B-B14F-4D97-AF65-F5344CB8AC3E}">
-        <p14:creationId xmlns:p14="http://schemas.microsoft.com/office/powerpoint/2010/main" val="2209977519"/>
+        <p14:creationId xmlns:p14="http://schemas.microsoft.com/office/powerpoint/2010/main" val="3676200875"/>
       </p:ext>
     </p:extLst>
   </p:cSld>
-  <p:clrMap bg1="lt1" tx1="dk1" bg2="lt2" tx2="dk2" accent1="accent1" accent2="accent2" accent3="accent3" accent4="accent4" accent5="accent5" accent6="accent6" hlink="hlink" folHlink="folHlink"/>
+  <p:clrMap accent1="accent1" accent2="accent2" accent3="accent3" accent4="accent4" accent5="accent5" accent6="accent6" bg1="lt1" bg2="lt2" folHlink="folHlink" hlink="hlink" tx1="dk1" tx2="dk2"/>
   <p:sldLayoutIdLst>
     <p:sldLayoutId id="2147483649" r:id="rId1"/>
     <p:sldLayoutId id="2147483650" r:id="rId2"/>
@@ -2827,12 +2825,12 @@
   </p:sldLayoutIdLst>
   <p:txStyles>
     <p:titleStyle>
-      <a:lvl1pPr algn="ctr" defTabSz="457200" rtl="0" eaLnBrk="1" latinLnBrk="0" hangingPunct="1">
+      <a:lvl1pPr algn="ctr" defTabSz="342900" eaLnBrk="1" hangingPunct="1" latinLnBrk="0" rtl="0">
         <a:spcBef>
           <a:spcPct val="0"/>
         </a:spcBef>
         <a:buNone/>
-        <a:defRPr sz="4400" kern="1200">
+        <a:defRPr kern="1200" sz="3300">
           <a:solidFill>
             <a:schemeClr val="tx1"/>
           </a:solidFill>
@@ -2843,13 +2841,13 @@
       </a:lvl1pPr>
     </p:titleStyle>
     <p:bodyStyle>
-      <a:lvl1pPr marL="342900" indent="-342900" algn="l" defTabSz="457200" rtl="0" eaLnBrk="1" latinLnBrk="0" hangingPunct="1">
+      <a:lvl1pPr algn="l" defTabSz="342900" eaLnBrk="1" hangingPunct="1" indent="-342900" latinLnBrk="0" marL="342900" rtl="0">
         <a:spcBef>
           <a:spcPct val="20000"/>
         </a:spcBef>
         <a:buFont typeface="Arial"/>
         <a:buChar char="•"/>
-        <a:defRPr sz="3200" kern="1200">
+        <a:defRPr kern="1200" sz="2400">
           <a:solidFill>
             <a:schemeClr val="tx1"/>
           </a:solidFill>
@@ -2858,13 +2856,13 @@
           <a:cs typeface="+mn-cs"/>
         </a:defRPr>
       </a:lvl1pPr>
-      <a:lvl2pPr marL="742950" indent="-285750" algn="l" defTabSz="457200" rtl="0" eaLnBrk="1" latinLnBrk="0" hangingPunct="1">
+      <a:lvl2pPr algn="l" defTabSz="342900" eaLnBrk="1" hangingPunct="1" indent="-342900" latinLnBrk="0" marL="685800" rtl="0">
         <a:spcBef>
           <a:spcPct val="20000"/>
         </a:spcBef>
         <a:buFont typeface="Arial"/>
         <a:buChar char="–"/>
-        <a:defRPr sz="2800" kern="1200">
+        <a:defRPr kern="1200" sz="2100">
           <a:solidFill>
             <a:schemeClr val="tx1"/>
           </a:solidFill>
@@ -2873,13 +2871,13 @@
           <a:cs typeface="+mn-cs"/>
         </a:defRPr>
       </a:lvl2pPr>
-      <a:lvl3pPr marL="1143000" indent="-228600" algn="l" defTabSz="457200" rtl="0" eaLnBrk="1" latinLnBrk="0" hangingPunct="1">
+      <a:lvl3pPr algn="l" defTabSz="342900" eaLnBrk="1" hangingPunct="1" indent="-342900" latinLnBrk="0" marL="1028700" rtl="0">
         <a:spcBef>
           <a:spcPct val="20000"/>
         </a:spcBef>
         <a:buFont typeface="Arial"/>
         <a:buChar char="•"/>
-        <a:defRPr sz="2400" kern="1200">
+        <a:defRPr kern="1200" sz="1800">
           <a:solidFill>
             <a:schemeClr val="tx1"/>
           </a:solidFill>
@@ -2888,13 +2886,13 @@
           <a:cs typeface="+mn-cs"/>
         </a:defRPr>
       </a:lvl3pPr>
-      <a:lvl4pPr marL="1600200" indent="-228600" algn="l" defTabSz="457200" rtl="0" eaLnBrk="1" latinLnBrk="0" hangingPunct="1">
+      <a:lvl4pPr algn="l" defTabSz="342900" eaLnBrk="1" hangingPunct="1" indent="-342900" latinLnBrk="0" marL="1371600" rtl="0">
         <a:spcBef>
           <a:spcPct val="20000"/>
         </a:spcBef>
         <a:buFont typeface="Arial"/>
         <a:buChar char="–"/>
-        <a:defRPr sz="2000" kern="1200">
+        <a:defRPr kern="1200" sz="1500">
           <a:solidFill>
             <a:schemeClr val="tx1"/>
           </a:solidFill>
@@ -2903,13 +2901,13 @@
           <a:cs typeface="+mn-cs"/>
         </a:defRPr>
       </a:lvl4pPr>
-      <a:lvl5pPr marL="2057400" indent="-228600" algn="l" defTabSz="457200" rtl="0" eaLnBrk="1" latinLnBrk="0" hangingPunct="1">
+      <a:lvl5pPr algn="l" defTabSz="342900" eaLnBrk="1" hangingPunct="1" indent="-342900" latinLnBrk="0" marL="1714500" rtl="0">
         <a:spcBef>
           <a:spcPct val="20000"/>
         </a:spcBef>
         <a:buFont typeface="Arial"/>
         <a:buChar char="»"/>
-        <a:defRPr sz="2000" kern="1200">
+        <a:defRPr kern="1200" sz="1500">
           <a:solidFill>
             <a:schemeClr val="tx1"/>
           </a:solidFill>
@@ -2918,13 +2916,13 @@
           <a:cs typeface="+mn-cs"/>
         </a:defRPr>
       </a:lvl5pPr>
-      <a:lvl6pPr marL="2514600" indent="-228600" algn="l" defTabSz="457200" rtl="0" eaLnBrk="1" latinLnBrk="0" hangingPunct="1">
+      <a:lvl6pPr algn="l" defTabSz="342900" eaLnBrk="1" hangingPunct="1" indent="-342900" latinLnBrk="0" marL="2057400" rtl="0">
         <a:spcBef>
           <a:spcPct val="20000"/>
         </a:spcBef>
         <a:buFont typeface="Arial"/>
         <a:buChar char="•"/>
-        <a:defRPr sz="2000" kern="1200">
+        <a:defRPr kern="1200" sz="1500">
           <a:solidFill>
             <a:schemeClr val="tx1"/>
           </a:solidFill>
@@ -2933,13 +2931,13 @@
           <a:cs typeface="+mn-cs"/>
         </a:defRPr>
       </a:lvl6pPr>
-      <a:lvl7pPr marL="2971800" indent="-228600" algn="l" defTabSz="457200" rtl="0" eaLnBrk="1" latinLnBrk="0" hangingPunct="1">
+      <a:lvl7pPr algn="l" defTabSz="342900" eaLnBrk="1" hangingPunct="1" indent="-342900" latinLnBrk="0" marL="2400300" rtl="0">
         <a:spcBef>
           <a:spcPct val="20000"/>
         </a:spcBef>
         <a:buFont typeface="Arial"/>
         <a:buChar char="•"/>
-        <a:defRPr sz="2000" kern="1200">
+        <a:defRPr kern="1200" sz="1500">
           <a:solidFill>
             <a:schemeClr val="tx1"/>
           </a:solidFill>
@@ -2948,13 +2946,13 @@
           <a:cs typeface="+mn-cs"/>
         </a:defRPr>
       </a:lvl7pPr>
-      <a:lvl8pPr marL="3429000" indent="-228600" algn="l" defTabSz="457200" rtl="0" eaLnBrk="1" latinLnBrk="0" hangingPunct="1">
+      <a:lvl8pPr algn="l" defTabSz="342900" eaLnBrk="1" hangingPunct="1" indent="-342900" latinLnBrk="0" marL="2743200" rtl="0">
         <a:spcBef>
           <a:spcPct val="20000"/>
         </a:spcBef>
         <a:buFont typeface="Arial"/>
         <a:buChar char="•"/>
-        <a:defRPr sz="2000" kern="1200">
+        <a:defRPr kern="1200" sz="1500">
           <a:solidFill>
             <a:schemeClr val="tx1"/>
           </a:solidFill>
@@ -2963,13 +2961,13 @@
           <a:cs typeface="+mn-cs"/>
         </a:defRPr>
       </a:lvl8pPr>
-      <a:lvl9pPr marL="3886200" indent="-228600" algn="l" defTabSz="457200" rtl="0" eaLnBrk="1" latinLnBrk="0" hangingPunct="1">
+      <a:lvl9pPr algn="l" defTabSz="342900" eaLnBrk="1" hangingPunct="1" indent="-342900" latinLnBrk="0" marL="3086100" rtl="0">
         <a:spcBef>
           <a:spcPct val="20000"/>
         </a:spcBef>
         <a:buFont typeface="Arial"/>
         <a:buChar char="•"/>
-        <a:defRPr sz="2000" kern="1200">
+        <a:defRPr kern="1200" sz="1500">
           <a:solidFill>
             <a:schemeClr val="tx1"/>
           </a:solidFill>
@@ -2983,8 +2981,8 @@
       <a:defPPr>
         <a:defRPr lang="en-US"/>
       </a:defPPr>
-      <a:lvl1pPr marL="0" algn="l" defTabSz="457200" rtl="0" eaLnBrk="1" latinLnBrk="0" hangingPunct="1">
-        <a:defRPr sz="1800" kern="1200">
+      <a:lvl1pPr algn="l" defTabSz="342900" eaLnBrk="1" hangingPunct="1" latinLnBrk="0" marL="0" rtl="0">
+        <a:defRPr kern="1200" sz="1350">
           <a:solidFill>
             <a:schemeClr val="tx1"/>
           </a:solidFill>
@@ -2993,8 +2991,8 @@
           <a:cs typeface="+mn-cs"/>
         </a:defRPr>
       </a:lvl1pPr>
-      <a:lvl2pPr marL="457200" algn="l" defTabSz="457200" rtl="0" eaLnBrk="1" latinLnBrk="0" hangingPunct="1">
-        <a:defRPr sz="1800" kern="1200">
+      <a:lvl2pPr algn="l" defTabSz="342900" eaLnBrk="1" hangingPunct="1" latinLnBrk="0" marL="342900" rtl="0">
+        <a:defRPr kern="1200" sz="1350">
           <a:solidFill>
             <a:schemeClr val="tx1"/>
           </a:solidFill>
@@ -3003,8 +3001,8 @@
           <a:cs typeface="+mn-cs"/>
         </a:defRPr>
       </a:lvl2pPr>
-      <a:lvl3pPr marL="914400" algn="l" defTabSz="457200" rtl="0" eaLnBrk="1" latinLnBrk="0" hangingPunct="1">
-        <a:defRPr sz="1800" kern="1200">
+      <a:lvl3pPr algn="l" defTabSz="342900" eaLnBrk="1" hangingPunct="1" latinLnBrk="0" marL="685800" rtl="0">
+        <a:defRPr kern="1200" sz="1350">
           <a:solidFill>
             <a:schemeClr val="tx1"/>
           </a:solidFill>
@@ -3013,8 +3011,8 @@
           <a:cs typeface="+mn-cs"/>
         </a:defRPr>
       </a:lvl3pPr>
-      <a:lvl4pPr marL="1371600" algn="l" defTabSz="457200" rtl="0" eaLnBrk="1" latinLnBrk="0" hangingPunct="1">
-        <a:defRPr sz="1800" kern="1200">
+      <a:lvl4pPr algn="l" defTabSz="342900" eaLnBrk="1" hangingPunct="1" latinLnBrk="0" marL="1028700" rtl="0">
+        <a:defRPr kern="1200" sz="1350">
           <a:solidFill>
             <a:schemeClr val="tx1"/>
           </a:solidFill>
@@ -3023,8 +3021,8 @@
           <a:cs typeface="+mn-cs"/>
         </a:defRPr>
       </a:lvl4pPr>
-      <a:lvl5pPr marL="1828800" algn="l" defTabSz="457200" rtl="0" eaLnBrk="1" latinLnBrk="0" hangingPunct="1">
-        <a:defRPr sz="1800" kern="1200">
+      <a:lvl5pPr algn="l" defTabSz="342900" eaLnBrk="1" hangingPunct="1" latinLnBrk="0" marL="1371600" rtl="0">
+        <a:defRPr kern="1200" sz="1350">
           <a:solidFill>
             <a:schemeClr val="tx1"/>
           </a:solidFill>
@@ -3033,8 +3031,8 @@
           <a:cs typeface="+mn-cs"/>
         </a:defRPr>
       </a:lvl5pPr>
-      <a:lvl6pPr marL="2286000" algn="l" defTabSz="457200" rtl="0" eaLnBrk="1" latinLnBrk="0" hangingPunct="1">
-        <a:defRPr sz="1800" kern="1200">
+      <a:lvl6pPr algn="l" defTabSz="342900" eaLnBrk="1" hangingPunct="1" latinLnBrk="0" marL="1714500" rtl="0">
+        <a:defRPr kern="1200" sz="1350">
           <a:solidFill>
             <a:schemeClr val="tx1"/>
           </a:solidFill>
@@ -3043,8 +3041,8 @@
           <a:cs typeface="+mn-cs"/>
         </a:defRPr>
       </a:lvl6pPr>
-      <a:lvl7pPr marL="2743200" algn="l" defTabSz="457200" rtl="0" eaLnBrk="1" latinLnBrk="0" hangingPunct="1">
-        <a:defRPr sz="1800" kern="1200">
+      <a:lvl7pPr algn="l" defTabSz="342900" eaLnBrk="1" hangingPunct="1" latinLnBrk="0" marL="2057400" rtl="0">
+        <a:defRPr kern="1200" sz="1350">
           <a:solidFill>
             <a:schemeClr val="tx1"/>
           </a:solidFill>
@@ -3053,8 +3051,8 @@
           <a:cs typeface="+mn-cs"/>
         </a:defRPr>
       </a:lvl7pPr>
-      <a:lvl8pPr marL="3200400" algn="l" defTabSz="457200" rtl="0" eaLnBrk="1" latinLnBrk="0" hangingPunct="1">
-        <a:defRPr sz="1800" kern="1200">
+      <a:lvl8pPr algn="l" defTabSz="342900" eaLnBrk="1" hangingPunct="1" latinLnBrk="0" marL="2400300" rtl="0">
+        <a:defRPr kern="1200" sz="1350">
           <a:solidFill>
             <a:schemeClr val="tx1"/>
           </a:solidFill>
@@ -3063,8 +3061,8 @@
           <a:cs typeface="+mn-cs"/>
         </a:defRPr>
       </a:lvl8pPr>
-      <a:lvl9pPr marL="3657600" algn="l" defTabSz="457200" rtl="0" eaLnBrk="1" latinLnBrk="0" hangingPunct="1">
-        <a:defRPr sz="1800" kern="1200">
+      <a:lvl9pPr algn="l" defTabSz="342900" eaLnBrk="1" hangingPunct="1" latinLnBrk="0" marL="2743200" rtl="0">
+        <a:defRPr kern="1200" sz="1350">
           <a:solidFill>
             <a:schemeClr val="tx1"/>
           </a:solidFill>
@@ -3079,7 +3077,7 @@
 </file>
 
 <file path=ppt/slides/slide1.xml><?xml version="1.0" encoding="utf-8"?>
-<p:sld xmlns:a="http://schemas.openxmlformats.org/drawingml/2006/main" xmlns:p="http://schemas.openxmlformats.org/presentationml/2006/main" xmlns:r="http://schemas.openxmlformats.org/officeDocument/2006/relationships">
+<p:sld xmlns:a="http://schemas.openxmlformats.org/drawingml/2006/main" xmlns:r="http://schemas.openxmlformats.org/officeDocument/2006/relationships" xmlns:p="http://schemas.openxmlformats.org/presentationml/2006/main">
   <p:cSld>
     <p:spTree>
       <p:nvGrpSpPr>
@@ -3087,7 +3085,113 @@
         <p:cNvGrpSpPr/>
         <p:nvPr/>
       </p:nvGrpSpPr>
-      <p:grpSpPr/>
+      <p:grpSpPr>
+        <a:xfrm>
+          <a:off x="0" y="0"/>
+          <a:ext cx="0" cy="0"/>
+          <a:chOff x="0" y="0"/>
+          <a:chExt cx="0" cy="0"/>
+        </a:xfrm>
+      </p:grpSpPr>
+      <p:sp>
+        <p:nvSpPr>
+          <p:cNvPr id="3" name="Content Placeholder 2"/>
+          <p:cNvSpPr>
+            <a:spLocks noGrp="1"/>
+          </p:cNvSpPr>
+          <p:nvPr>
+            <p:ph idx="1"/>
+          </p:nvPr>
+        </p:nvSpPr>
+        <p:spPr/>
+        <p:txBody>
+          <a:bodyPr/>
+          <a:lstStyle/>
+          <a:p>
+            <a:pPr lvl="0"/>
+            <a:r>
+              <a:rPr/>
+              <a:t>5 minutes</a:t>
+            </a:r>
+          </a:p>
+          <a:p>
+            <a:pPr lvl="0" indent="0" marL="0">
+              <a:buNone/>
+            </a:pPr>
+            <a:r>
+              <a:rPr/>
+              <a:t>You want the external team to collaborate with the internal developer team in a process that’s easy and secure. With Azure Active Directory (Azure AD) business to business (B2B), you can add people from other companies to your Azure AD tenant as guest users.</a:t>
+            </a:r>
+          </a:p>
+          <a:p>
+            <a:pPr lvl="0" indent="0" marL="0">
+              <a:buNone/>
+            </a:pPr>
+            <a:r>
+              <a:rPr/>
+              <a:t>If your organization has multiple Azure AD tenants, you may also want to use Azure AD B2B to give a user in tenant A access to resources in tenant B. Each Azure AD tenant is distinct and separate from other Azure AD tenants and has its own representation of identities and app registrations.</a:t>
+            </a:r>
+          </a:p>
+          <a:p>
+            <a:pPr lvl="0" indent="0" marL="0">
+              <a:buNone/>
+            </a:pPr>
+            <a:r>
+              <a:rPr/>
+              <a:t>In any scenario where external users need temporary or restricted access to your organization’s resources, give them guest user access. You can grant guest user access with the appropriate restrictions in place. Then remove access when the work is done.</a:t>
+            </a:r>
+          </a:p>
+          <a:p>
+            <a:pPr lvl="0" indent="0" marL="0">
+              <a:buNone/>
+            </a:pPr>
+            <a:r>
+              <a:rPr/>
+              <a:t>You can use the Azure portal to invite B2B collaboration users. Invite guest users to the Azure AD organization, group, or application. After you invite a user, their account is added to Azure AD as a guest account.</a:t>
+            </a:r>
+          </a:p>
+          <a:p>
+            <a:pPr lvl="0" indent="0" marL="0">
+              <a:buNone/>
+            </a:pPr>
+            <a:r>
+              <a:rPr/>
+              <a:t>The guest can get the invitation through email. Or you can share the invitation to an application by using a direct link. The guest then redeems their invitation to access the resources.</a:t>
+            </a:r>
+          </a:p>
+          <a:p>
+            <a:pPr lvl="0" indent="0" marL="0">
+              <a:buNone/>
+            </a:pPr>
+            <a:r>
+              <a:rPr/>
+              <a:t>By default, users and administrators in Azure AD can invite guest users. But this ability can be limited or disabled by the Global Administrator.</a:t>
+            </a:r>
+          </a:p>
+        </p:txBody>
+      </p:sp>
+    </p:spTree>
+  </p:cSld>
+</p:sld>
+</file>
+
+<file path=ppt/slides/slide2.xml><?xml version="1.0" encoding="utf-8"?>
+<p:sld xmlns:a="http://schemas.openxmlformats.org/drawingml/2006/main" xmlns:r="http://schemas.openxmlformats.org/officeDocument/2006/relationships" xmlns:p="http://schemas.openxmlformats.org/presentationml/2006/main">
+  <p:cSld>
+    <p:spTree>
+      <p:nvGrpSpPr>
+        <p:cNvPr id="1" name=""/>
+        <p:cNvGrpSpPr/>
+        <p:nvPr/>
+      </p:nvGrpSpPr>
+      <p:grpSpPr>
+        <a:xfrm>
+          <a:off x="0" y="0"/>
+          <a:ext cx="0" cy="0"/>
+          <a:chOff x="0" y="0"/>
+          <a:chExt cx="0" cy="0"/>
+        </a:xfrm>
+      </p:grpSpPr>
       <p:sp>
         <p:nvSpPr>
           <p:cNvPr id="2" name="Title 1"/>
@@ -3098,54 +3202,317 @@
             <p:ph type="title"/>
           </p:nvPr>
         </p:nvSpPr>
-        <p:spPr/>
-        <p:txBody>
-          <a:bodyPr/>
-          <a:lstStyle/>
-          <a:p/>
+        <p:spPr>
+          <a:xfrm>
+            <a:off x="457201" y="204787"/>
+            <a:ext cx="3008313" cy="871538"/>
+          </a:xfrm>
+        </p:spPr>
+        <p:txBody>
+          <a:bodyPr/>
+          <a:lstStyle/>
+          <a:p>
+            <a:pPr lvl="0" indent="0" marL="0">
+              <a:buNone/>
+            </a:pPr>
+            <a:r>
+              <a:rPr/>
+              <a:t>Collaborate with any partner by using their identities</a:t>
+            </a:r>
+          </a:p>
+        </p:txBody>
+      </p:sp>
+      <p:sp>
+        <p:nvSpPr>
+          <p:cNvPr id="4" name="Text Placeholder 3"/>
+          <p:cNvSpPr>
+            <a:spLocks noGrp="1"/>
+          </p:cNvSpPr>
+          <p:nvPr>
+            <p:ph idx="2" sz="half" type="body"/>
+          </p:nvPr>
+        </p:nvSpPr>
+        <p:spPr/>
+        <p:txBody>
+          <a:bodyPr/>
+          <a:lstStyle/>
+          <a:p>
+            <a:pPr lvl="0" indent="0" marL="0">
+              <a:buNone/>
+            </a:pPr>
+            <a:r>
+              <a:rPr/>
+              <a:t>If your organization has to manage the identities of each external guest user who belongs to a given partner organization, it faces increased responsibilities–because it has to secure those identities. There’s an increased workload to manage and administer those identities. You also have to sync accounts, manage the life cycle of each account, and track each individual external account to meet your obligations. Your organization has to follow this procedure for every partner organization it wants to collaborate with. Also, if something happens to those accounts, your organization is liable.</a:t>
+            </a:r>
+          </a:p>
+          <a:p>
+            <a:pPr lvl="0" indent="0" marL="0">
+              <a:buNone/>
+            </a:pPr>
+            <a:r>
+              <a:rPr/>
+              <a:t>With Azure Active Directory B2B, you don’t have to manage your external users’ identities. The partner has the responsibility to manage its own identities. External users continue to use their current identities to collaborate with your organization.</a:t>
+            </a:r>
+          </a:p>
+          <a:p>
+            <a:pPr lvl="0" indent="0" marL="0">
+              <a:buNone/>
+            </a:pPr>
+            <a:r>
+              <a:rPr/>
+              <a:t>For example, say you work with the external partner Giovanna Carvalho at Proseware. Her organization manages her identity as gcarvalho@proseware.com. You use that identity for the guest account in your organization’s Azure AD. After Giovanna redeems the guest account invitation, she uses the same identity (name and password) for the guest account as she does for her organization.</a:t>
+            </a:r>
+          </a:p>
+          <a:p>
+            <a:pPr lvl="0" indent="0" marL="0">
+              <a:buNone/>
+            </a:pPr>
+            <a:r>
+              <a:rPr/>
+              <a:t>With Azure AD B2B, you don’t take on the responsibility of managing and authenticating the credentials and identities of partners. Your partners can collaborate with you even if they don’t have an IT department. For example, you can collaborate with a contractor who only has a personal or business email address and no identity management solution managed by an IT department.</a:t>
+            </a:r>
+          </a:p>
+          <a:p>
+            <a:pPr lvl="0" indent="0" marL="0">
+              <a:buNone/>
+            </a:pPr>
+            <a:r>
+              <a:rPr/>
+              <a:t>Giving access to external users is much easier than in a federation. You don’t need an AD administrator to create and manage external user accounts. Any authorized user can invite other users. A line manager could, for example, invite external users to collaborate with their team. When collaboration is no longer needed, these external users can easily be removed.</a:t>
+            </a:r>
+          </a:p>
+          <a:p>
+            <a:pPr lvl="0" indent="0" marL="0">
+              <a:buNone/>
+            </a:pPr>
+            <a:r>
+              <a:rPr/>
+              <a:t>A federation is more complex. A federation is where you have a trust established with another organization, or a collection of domains, for shared access to a set of resources. You might be using an on-premises identity provider and authorization service like Active Directory Federation Services (AD FS) that has an established trust with Azure AD. To get access to resources, all users have to provide their credentials and successfully authenticate against the AD FS server. If you have someone trying to authenticate outside the internal network, you need to set up a web application proxy. The architecture might look something like the following diagram:</a:t>
+            </a:r>
+          </a:p>
         </p:txBody>
       </p:sp>
       <p:pic>
         <p:nvPicPr>
-          <p:cNvPr id="3" name="Picture Placeholder 2" descr="header.png"/>
+          <p:cNvPr descr="fig:  data:image/png;base64,iVBORw0KGgoAAAANSUhEUgAAAiEAAAD+CAIAAABjgkIDAAAACXBIWXMAAAsSAAALEgHS3X78AAAgAElEQVR4nO2dCXhTZdr3T5Yu6ZKUstolATegkMpOGdJXQWRLB5QPeJlGAcFB0xlmkM8XE3llGJzaDOOLCGMjfoKAtPICg8K0bCIwNpWySW2g0FGUpgsFWXqSLkmznO9K7nIIaZq2aZJmuX8XF1dy8uTkOc85Pf9zL8/9MCiKIhAkYKlvNpXWNhEE8cxjXDyLCOJvsPGMIIFIQfk9xYmaSzeazBaiocVMEEQch2W2EFMHx733a8HA+Ag8qwjiD6AdgwQY9c2mV/b89M/Ld1vMzi/dSDZz0di+H819FM8sgvQ4qDFIIFHfbHoip/R2o7HDPg/uxyn5w/A4DlrqCNKToMYgAUN9s2nIX0tv6joWGGDioNiCpUOyj9ecrtTdbjSlCWLWTk1GNxqC+BLUGCRgGP+B+qymofO9DWMyWEyG3mSht0SymeKUXvsWPYknHUF8AxPHGQkITl3Tflfd2KWeGi2UvcAQBKE3Wf5RdufXW6/iOUcQ34AagwQG/31YY7J4xuY+/m/y1DUtnncE8QGoMUhg8H1Nk6f6qTdZNpyqxfOOID4ANQYJDNgsT3az/FYznncE8QGoMUgocoNsqW824alHEG+DGoP4NfXNpvdO1Qr/9r3e6MkEyCajJXndd6U1XUsiQBCkq2DuMuK/5H33y2t7f4ZSMd4gks288uYInDGDIN4D7RjET3nvVO2i/GveExgI/k/ZUo4XAIJ4D9QYxB+5ftew+pDG7H0ju6a+5fpdA14DCOIlUGMQf+TF/B/aK3npWfQmi+JEDV4DCOIlUGMQf+RiF6f0d4dLdR6beYMgiAOoMYjfUVrTaPSJEQNU17fgNYAgXgI1BvE76vVmo4fKxnQG4SNReA0giJdAjUH8jmce48aEe3Rav0tGJkbjNYAgXuKhFZz0eoPBoA/ioY6IiIyM7NRkiMcHDsrb/fn4tDTvdwpxQn9uWMNtL2Yt04SzGEvG9cNTgCBeAlcJRPyRjbMHvvBphacKLbvg18PiB8ZH3Gsy+yBPGkFCEPSVIf5IRkqvZ5/gebtj8VHsT+Y/2mS0oMAgiJd4qJYM+soQv2Lujn8fuHTXS9ZM/9iwq2+O4ISxdAZfOOUQJDRBjUH8moLye/JCzfW7Bo/U9tcbqcgwhtlCrJma9MYzCQYThQKDIF4FNQYJDOqbTXGc7oYPS2saR9iyyFrMVLPR4stZOAgSmmA8xjmPDxx0pqTEl78okUgE95FIJB22VyqVnWnWIenp6fn5+d3fj7dpT2BuN5o6/y8pLgIaa/VmFBgE8QGYV+ZHyGQyqVTqg/5IJBKxWJyZmUkQRFFRUcAMEIIggQbaMaGIRqMJ9SFAEMQnoMY458frP/f4BEy1Wp2eni4QCFJTU8GdpdFoMjIyYItKpYJmJEnCRoFAoFAowI2Wnp6elZUlEAjAGwafgm8tPT1do9HI5fL09HSCIAQCAewqPz8/NTUVWiqVSoIgVCqVQCCQy+WwMSBcagiC+BVe0ZiSkpLU1NRjx451sv3MmTP37duHF4ZCoaBv8SRJSiQSqVRaWVmZk5OjUChIkpTL5Twer7KysqCggLZFsrKyhEJhZWVlUVFRfn4+CIZGoxGLxZWVleANq6ysLCsrU6vVhYWFRUVFfD4/JyfH3kumUqnkcrlMJqusrMzLy1MoFLSGEQRRWVkplUpBwBAEQTqPV+IxJSUlKSkpx44dmzp1antttm3bVl1dvWbNGoIgDh06hKfMIR6jUqlAVORyOWwhSVKlUhUUFBAEwefzMzMzQQZoKwSagfbw+XyxWAxbQDDUajXsxOlPq1QqOkIjEonEYrFKpRKJRARBQJfEYrFSqdRoNHw+3yeDgSBIMOAVO2bfvn0rVqwoLy/XarXttamurvbn4fN9XllbwGShcbi526tFQUEB3Qx0gkapVBYWFoKB0h154PG8PuseQZDgw/MaU2K7NafZoN1lWq122bJlqTaWLVu2bt26fTZSU1Orq6tTU1NLSkrsPWbr1q3buHEjvKC/5UKx/I3SG/pnPr7OkF+Gf4v31ly/Z+xSH4VCISiEw0Y64kIbLiKRyIUXiyRJHo8nEolUKpV9qN/BoBGJRIWFhbBPlUpVWFgIRkxAo9WSk9JGbd6w3qsHceZ08eiUx44f7ZQtXlNVNTrlsZqqqp4d15qqqjdfXz465bHRKY9NShu1/ZMt9EdnThdPShs1OuUxgiC2f7JldMpjWUsXZq9dnb12dY922TkwnmdOF8OnfjK8PmD7J1vgNL04b/aVy5c6+YM1VVVZSxfCebc/6V7FKxozd+5ckJmS+6bAunXrtFqtSqUqKyv7+OOP16xZM9dGWVlZUlIStJk7dy5oklarBT/btm3bysvL4VtarTYgYjb1evPa47dGbrr2r58frOS447v6EZuubSy+0/n98Hg8mUymVCrtg/k5OTkajQbC77QGyGQykiShWUZGhsN+MjMz+Xw+7IG2RSC4AjF/QCQSyWQyCO9LJBKZTBYEGnP2dHEsj/tV5+7+3fmVocOGf3XksIs2WUsX7t+zmyCIxOTkC+XXEpOTvdol12i1pPSVl2qqNQePnrpQfk3x/uYdn2yhlXjHJ1umTJ9xofwaQRCbN6xfvTY7d+vO1WuzV6/N7sE+t0dicvKc+Qt23L9dfnX00PgJE3t2eH3AmdPFmzesV7y/+UL5teUrV3Xy+YYgCHhQuFB+7UL5tbOni30jxp6f5y8Sid577720tDStVguPz1wuNzU19eOPP06zy9Rat24dQRAQj4FPk5KSZs6ceejQoZKSkn379u3evXvZsmUldg6ruXPnQnu38eo8/1M/NX5Zrtt+oZ7Ut1ueRBAX9vww7saMAV7qQwhyu9HU3kG/+fryocOGX7l8ac78BeMnTPTS2ExKG6V4f3P22tW79h7gcp17FGdNe2bx0tfmzF/gD+dn+ydb9u/9/ODRU/SW/Xt2Z69dfbLkOy6XN2vaM3Pm/WbxK6/WVFXNmvZM7tad3hs6jwD9PHj0VCyPO3vqJMX7m/28w91n/57d27d+ZH8GO0mPXIcetmOOHTtGu8XgQXjfvn3g4+Jyua6/m5SUBO412hIiCGLFihVl9+mmwHibUz81flB8x4XAWBO06o0fdMWaQdxGqyXPni4eP2Hi+AkT6Qe9WdOeAUfB6JTHZk17xsHTAq/B97V5w3p4e+XyJfjWpLRRYIvYA99t/ZX7poxWS9IeiaylC+GHsteunjXtGdg59ITeW/ba1WBGZK9dTX9Lq3WendF9zp4ufm7aTPvdwE3n7Oli6Coc+6xpz4AFlr12ddbSheBauXL50ovzZts7W3zTZxckJiePnzBx+9aPjh85DK/tO5m1dGFbl5rTE+37nrsNnC+HAadPBJxEkCL6aocDXLz0tc0b1re9jL2KhzUG5MFeFUpKSrhcblpaGrjL7Bu3ja9MnTp13759JSUlkJCWlpa2b98+P88OQPyTs6eLE5OThw4bPmX6DPruD96hg0dPcbm8v274u+uOXyi/NnTY8KylCxcvfe1C+bXVf/7L5g3rHW6jZ08Xwx/8+AkT6ftU9p/+W6slT5Z8d6H8Wu7WnQePnkpMTl69Ntv+wXPOvN+A8mm15PEjh6dMm7n9ky1XLl+Cb2m1pPduBNXVmtg29lZicrKW1EJXl69cBaNEEAQ4yqCNVku+ufL3Q4cNB2fL4lde9VmfXbPolVePHzm8fetHc+b9BgQeOnnw6Knqak2HgYcL5dcCzvRRfvIZQRCzp06ij2712mw4L0lJ/P17Pwcpgi3LV66Ch5g58xcseuXVzRvWZy1d6LOoleftGHuH2NSpUyG7DEwQkUiUmpoKXrK5c+eWl5dDzN++vVarnTp1Khg9c+fOBQcaWEW+FBvP5pWNei7x+T8M89TekM7wle3GbTOgeYnJyfY+6zdX/n75ylVDhw13sZs5834Dj+1aLQlPiG++vlyrJXXkQw9G+/fsHme7PY2zWUugQMePHlq+clV7fjPguWkzz9gc4vD0PXTY8LM2mwkCuVcuX6qp9lYthqQkvq6NwVFTVdVhGMPaq6oq+8CMz/rsGjoGM2f+grM2pYdOWqM197W8PeBEBxyJycm5W3cq3t+8f+/nIO3bP9kC1vOZ08VwHZ45XQyXrv2z0eJXXj1Z8l0slyd95SXfHLSH58fYT9wD/xhs4XK5u3c/9IyTkpJCT4spKytzaE+//fjjjz3bQ9/QJyma/EVvtNWNH/VcIn9onOZKfSAeSIBiNQ6OHjp+9BAdyqYlZ/OG9eMnTATjI5b3wH/bnp+Hy+WdLPnO6UcgKuCNAfbv2Q17di0wtIfnq6OHrOGi+7e55StXLX7lVW8P+bgJE/fv/Xz5ylX23eZyea5FlyAInZZse1y+6XOHDB023MWDeWdOdCAyfsLExUtf2771o6HDhm/esH75ylW5W3fSGYCy15ePmzDxQvk1iN/YH99f398M3lofxGawlozHGJHAgV1FccNEcwaOz0imBebGT7rvvqoJhoMMEMA4AEcB+EzO2h7ujh89dOZ0MX175XJ5XC4Pnnxlry9ve2xw223P2XLG5iijf2X12uyzp4u5XN74CROz1652uJe1vbVNmTZz/97Pz54unjJ9Bn3r94EHw8Gbv3/P7s0b1i965dUOdREsNvskZp/1ufPYd7Kmqmr/3s+nTJvZ4YkOLCBHA7p85nRxUhK/plrD5fKemzazpqoKfLZaLanVks/ZLi3aknvz9eXwKZikvknAQ41xjhv1yp55NApeNGmNmiv1fRKjp778JH9oHHlbby8ws1NinX5dqVTSU/q7ikqlsk9ERs48HNamnVHZf/rvK5cv0YFQeAyHWSBO/964XN7ylat22BqAz8H+0+NHDtv78adMnwG+NXDUgAcJ7gUQa4Uoun17HamdMn0G3NznzF+QlMSn8wu8d+PmcnngzYcegsB0xhbhcnmK9zdDqHx0ymPwFOybPnce+07OmvbM0BQhHJrrEx1YDB02XEtq4SzUVGtWr82eMm3mnPkLZk17RvrKS3A5waW7yZbRQB/c0GHDwXv24rzZy1eu8k0UCtco8yTPf6Y5UK6DHYr+z8A+idHkbb3qH9eNdostfjo3cfHouLY/CgKTk5PjRn/y8/OVSmVoVul3kbuMIEiP46YdA1UvaexzxkK5wOXaKf3o12cKqjRX6h0E5qlHItsTmHwbAoFAo9FIJJKsrKz09HSJRJKenk7P9pdIJPA6Pz+frrWcn58vl8vpuZk+OVAEQZBO0a2YP8Tqy8vL161bt2DBgt27d3O5XLcLXC5btmzq1Kn0zJie5fGBg/J2f95Vd9mIRyL/9GzfP3/9C0EQRoO5bQxm+7xEp1+kzRf6BZS/5PP5Tp1gcrk8NzeXrnoJrjZcbQxBEH/DA/GYlJSUjz/+uPu1XoJjHszaKf2eHhTt9KNP5yaOeCSyk/sRi8UuSlgWFBQUFhY6VDNDEATxNzwT8+dyuTAVBgrDQAGY1NTUjRs3pqamQtkxepoLSJFDlcyZM2dWV1evW7du5syZYBstWLCA/hR+xX6H0Az24+OpMx3y5cLkp9poyR8n9nbqJesQ+4LHdCFLoVCYm5sLVk575foRp9Aha/hnnwBmP/c+pLCfGG8/AtvvJzvQ2Qr2Q+cn6WS+qXzqJbpUUNWB/Xt2w3lxu2Kpby54j+WVJSUltZ23X1JSUlZWNnfu3GXLli1ZsgRm/m/cuFGr1TpUyTx06FBSUtKaNWsOHToE8pOSklJWVnbo0KHq6upt27Y57FCr1YKSHTt2LCUlhS6s6Sm6sw5mXCTr1LKB9jLzfsaAztQoc6oWfD6/sLAQvGGwBgyNSCTS2HCxMAziFMg23rX3ANxeQWYOHj3l3nQBuuRlgHLl8qUp02bChHBadPfv2b1/7+e79h6g5/yDqECthB6v7Enjm8qnXqIzBVU7pEsVS7d/soUWJLcv+C7hMY0pLy9ve6OH4ApM9Ycq/W+88YbWxrFjx1asWOG0iBmIB5QGSEpKousx0zvkcrn0RtcrofUUcZGs0j88tmhUHC+S9encxBUTe3fYkczMTLVaDTF/++1SqRTKKhcWFkLBf1ggGaosy2QyoVAIjjWM+XeVocOG527dqSO13VSI6h6a3+4p5sxfAAm+kPANtQz27/38D86qIfhb7u9XRw7PmfeboSnCwKo5Buzfs3v5ylVXytU+mxnq+1oMntGY6urqkpKStPYf/LlcbpkdIC0dVsl0wdSpU48dO1Zuww81Btg+L7H+T0M66SITCoWwKDKfz8/Ly6OD//T2AhuwKiUsR1ZUVARveTweLFPmsEAZ0iFcLg/mtdClEuEFlEqEelwONTFdlLx08DvRJQDsd0j7ncDJ41cTGLdv/Qjqsmi15JXLl2hfGRw4SKmPVx9xjdPKpzDIDgulON1IFwrqkSNyWlA1a+nCrKUL4RKalDYK2jjdSENXLHW4Mu2LwMLb7LWrreaprVamfZ3Q/Xt2w2Qp+3EATzLtUnZ7uDygMSUlJW+88UZaWlp79/qUlBRYXJne4rpKJmgVlDWrrq7et29f2z2Df+yNN96YO3dud7SqPfxhHUzENyQ6q9915nTxhfJrc+YvaFsT00XJSxcFGekd6kgt/GEfP3J46LDhfmIWwM3o+JHDi2wGDYguHMjqtdnZa1fXVFWNtxUmgS2bN6z3B7vBaeVTcOuB9w+6CkLeduP+PbuvXL5El/j0fefbFlSFwYcCl1Omz6D9Wk43OuBwZdKOzZMl3125fOn40UOr12bPmb8AilPQFx6UNYNCqLlbd9qfWSh4+tf3N8NAuTdc3dIYiMm/8cYbU6dOfe+999prxuVyV6xYsW3bNmgPC1y2rZK5ZMmSjRs3zpw5k8vlvvfeezAFZ+bMmSkpKUuWLGm726lTp1ZXV3fTiDl8+Mjhw0e6swfEZ3jpZF25fKntjd5FTUwXJS9dFGSEHXK5vDnzF8DG40cPTXm4xn4PAjej5StXZS1dSK+ruHjpa+BJ43J59jdBWI+n88sveo/2Kp/C2mXQ1cTkZOh8242LX3kVCv/0iDXptKAqFIAAF+Xipa/VVFVB35xudKDtlbl5w/oX582elDbKWlqGdL6OsLWaka1MAKjdlGkzz94/13Pm/cZq6NuK8Vy5fMm94XJzfkxaWhpdyNIBert9A1j10r5hUlKSQ5VM+zZpaWlt59m0/cW0tDQwktzg4sXSbdt2lJZ+//LLi9zbA+Jjbty4+emnOw4dOrpkyaKRI0d45MdrqqrOni5e/ee/tNfAoSYm3Ag6LO3lginTZmYtXThn3m+uXL6keH+zrwfRJXPmL9i+9aMz95+vtVoykWhVXy7vIW+BP1SWdFH51B4dqeXyuA4dho1QY4YgiBfnzZ4ybaYvTRmnBVUdOgB9jnU28g4bnV6Z2z/Z8pXNdhk/YaJDHaOuQv+cG8MVqPXKYDqOe0ZMXV3du+/+9Q9/WFla+n17bbqTV4Z4ldLS7//wh5XvvvvXurq6bv7OmdPFb678/Tjbs5vTBm1rYroueem0IGPbfSYmJ7+58vdgH/jDxUK7R2C5gaHDhsNhwr0bDn/chInWBTRtgRnwmTzX00ZYe5VPYfDhiOjOt7cR8L1Z5rSgKv0RGApQIxwuEqcb7Wl7ZUKdbHDE2VseDgYNWFFwZs+cLj5+9NC4juqYdWm4PFzb3zfs27dv3bp1bW2jzrBt2449e/Y1Nj5YbN9m0ATiMIQcFy+W0od8+PDRb75RzZ8/d9Z/StwYBygUyOXyXJeDhMKCmzesh7vt4ldeXb5y1eq12W+u/P2ktFHw4L96bfbipa9Zo6m2BYxh3WXYf3vPelOmzdy8Yb3/OMoSk/jwQA3HC6US4TChiKTi/c1Q/B+WxeRyeavXZvd4JKm9yqdwINaVuC5fghKZdJlIh43bP9kCZ9bHRgwIpL31PGX6DHqVFy6XB/n0Q4cNp1fSc7rRAYcrc/HS16ptgX14aIC2c+b9Bk4rvWLe+AkTIWcdno1c1Mp0b7hCriZmfv5uB40ZMeIpTzleEK9y8WKpvekZHR3ttsb0LNs/2XL2dDFEZRGPY7W3bHpvv2OnG/2QrKULIYXEvmtONwYKAWnHdIclSxbNnDlt27Ydhw8fhd2MHDliyRLHkIx79coQr7JtG0FrzIwZ05YsWTRgwICAq7tsXZN47+cQTkeQoCcU148ZMGDAW2+9uWnThhEjnvKD7iBdY8SIpzZt2vDWW28OGNBx6QR/AyYi0AtxIkjQE+rrx0Au7IwZ0x1aoh3jhzg9Wbh+DIL4M6GuMUiggxqDIP4MrrWMIAiCeAvUGARBEMRb9JjG1NTU5uSsz8lZX1NT64dnF+uVIQiCdJ+eyV3+4osDq1evgdeffZaXnb3uhRdm49lEEATxFBUmxkUT446FMTKM+lWYpafGtQc0xl5gAHiLMoMECkfriVQ29UgMI7jPGNVQT535p+na9+FPPU0MTyei3VnIFekRvjUyP21udVOVmhjHWxhros090hNf55W1FRgaH1gzmFcWfPg+r6yWYq6tsQy43iyfEMlhBafMWNTfGI/vbCo6YGl8UJYtcsTTkRNnsYRPE4NSe7R3SAfcsTBkDSyHNs+GW0ayqWQWFeXba9anGuNCYABvywxqTPDhY425RzHWNrCaSROrvFHAY/1xTERQycwtjVVaju4w1VW6aMUeIIgc8XSEZA3Rj+/DziEdU2FiVJit/rFvjc4vSw6DeJljHsmmfDaYvtMYB4EZPHiwQpEdGxvz97/nfvnlQXq7V2UGNSb48KXGNBPEhib2dRPB0Fo1hiCI9OSwzKHhQTColq8/M3x7oEl1sBNtW4n/n+OM4f/h3W4hHfFlue7/HmotQG6miBbCUVpGTHok8cmHijRzGIQixuQza8ZH8Zi2FsyHH37wu9/9kSCInTu3nj17rrb2Bmz3k9gMzvNH2rLTYBUYe4qqjFFsxvNPhAXqaP1cZvhyk4NPzB5mtPX21N6nPcKhK/cu1TV59peHD4iaObSX/xxj57nZYNLqLVHc1ivQ4UJs0hr1bR7CmimiwszwmSnjC41x6iLTarW1tTU6XcPZs+diY7kEcYP+CFMAED9kVwv7vMFJt47+3JIUyxwzwNH97edYvv5Mt3OdU58YM5oXOfLp8KeehtBL45vP6Uv/5T9Hs+X0zW+v6zy7z18NjA1QjQGmLn7S6fYvN112uv2OhUEQwaIxTgVm8ODBQ4YM3rFj25UrV599dvLf//6RQwOUGcSvOGdm/at9L/LWMn08h/MoL5BmNDcf22kvMBBiCUt9mil8OlCiLP81KeFvJ2uT48IXjOzzt5O1vxoYy4+L2F162w+65u/4Mh7jXY1pT2B27tz6xRcHXnhh9pAhg7/44sDOnVsXLlxaUVFh36xnZebH6z/3yO8ifsg1ivlxoyvvtYWiPjjf/OZ4TkJMoBbO4P7XVgyuhAjPhlt6M4NCY1wIzPHjJ1avXgP6AW38UGYQBDKVNzW0qxwWypo0Y6EoncGy8VzTn9OjOewgnzTjP/ztpLVESFV9C7z49rruW8JNH1pVvWH9yZq22wM3TkMzLIx6LuLBBMzBLGqwD40YL2pMhwJjvx1lBvFPmgni02Zmk7M/SVpd6Bc3dKZ3ixvfmogy43Xefi5p3XSPrfQ8KPu763cNIFQOBHqcxiqTbGpWRI9N8veWxnRJYAB/kxnMK0MIgvio2TGRDLCKioV6SGYs1hc/3DXuUjf/dmQUDh7iS777yokR5id4XmO+/vqEwzyY3//+Na1WN2XK5PYEBqBl5vjxE4mJiTt37jpx4iT9EZcb++yzk/12HJHgY1cLu9zo/KgogjA70xgLRR291hzJJl4SoswgvqB/DJsbyaz/WQtvtXoLi8mIDm+1pLmRzP4xPbygvud/3j5JLDY2BubBLFwooVXEBatXrxk6dAhBEDk56x1smr///SPUGMRnuE4koygKNKZVZh7Wm33ljQIu6z8EONsX8TqjEyJfHffAm/e3b+4kxLIXPMWlt4xOiOzZs+BhjdHpdPaeriFDhhw//nVFRcXq1WvGjRvbmT00NTWBFH3xxYFx48bQe6uoqNDpdLGxsZ7tcHtgXlkoo7Y4TySLYhC9GQSXQfTmsb6JaDKZWUYTw2hkmC0M+8CMhaIUxfV9ouJT+gbs3MxQQtArQtAr4lTWMIdjXnOk6usf/GjyqVM0pPFv39yx/6Tq4S0TBVHJcT15HXpYY2JjY8eOHXPu3Hl4e/Xq1XfffaempnbIkMGdXCfm3r172dnrrl6teOGF2S+8MI/ePnbsGJ8JDBLK1FLMTxofJJKBrsA/Dq074UwWy8JiWSJsdWRMJobByNQbCavemFvTAVafuPv+tN4D43rYU4EENxMFUb/892D6EFcfu2WtyDW1n/8ctOfT+X/3Oyn9WqdrWLRoCZcbW1tbO3To4Oefn+X6u88/P+vZZyfrdDouN3bhwqV0gRmH3SKIl2gmiL83MdkEMYhJjGERz7KJyWziKRaRxLQTmDaw2VQ0x9ybax7Q25TQx9Sba4mKtDSZzG99fafR2JMpPUiocemm4dJNZ+Uoeg7PP2SNGzcmO3sdHXqprb3x4YfWCM3x4yd37txqLW/wpfO6e88/P+vdd99566232zbIzl43btwYXw4S5pWFJkcMrNFMgt2NRy82i4iNomJtIX+zxfQ/Z+6sEfUN9WFFQhivTEt+4YXZ2dnrHDZWVFQsXLhULl/l1JpxLTA4PwbxARdNjBcizIlhlEcqOVssxLh+0WtEfbdX+nqFGwTxH7zlLLafw08DMtPWmkGBQXqcT5tZ3xoZT7KoJRzLsEjqsIEd0Y3Z0DEs9pu/6n3dwPztqQa91nTpZvh74zCbGXGH3d+TGrKdJPo2VNVbW67/pgtF21b9Rx+vnhcvBiRdy8zYsWOuXq3QanWgIv4mMJhXFlJ8a2TCmk7/NketpoYAACAASURBVFsXEPx1hGV+pKnExNIYGV1NQLZYiBce441Liv7kR+Ola40WizXLubKq+ePe7GWP+elKM+wBAgauo+yvfF6mrao3djI3DJoVVzZ3pjGpN1++aQhgjXEhM3L524mJCbD9pZckO3fuQgsG6UFGsC0j2IxSU2tY/58GZqmJ8XKk1aA53sJmdjpsn8QJf3Vkr1Id441/NbQ0mS22aTRGsyW+b/gLSf6YxxwlmhXx3EJmWgfJOEjPsuAprjeUoLiy6fnPqrx9ZF5PrHQqM0OHDj5+vHUO/2ef5clk/+XwLRQYxJdEMYjfRZkvmhifNrOabS6yKjNjXaPVoHkhwlRmZl1t6cCgocyMxcN6Pdk3cr3aUFOjt87QtFAmC0WEM+aOjpX433zMyImzmDE89mMjiEaSuvQNY1AqETimzI7zv3zzk9ZTeyutaRyRGO2pvSEO+CJ5v63MnD17PjExAeZXjh07xmHqjD8IDOaVhSAj2dTgGNOnzSx7g+ZbI/PlSPOMSOpfLWyzM4PGYiGGxkW+Prb3vhqT8rjWZLSYLa3my+MDObKnovpG+GPBf9as5ZxZyy0lB42nD9LrYIY//hQzJi78qaeZMTzmo08x+g30w7VkfjOyz/+W3rG0iZbd0hkjw5hxnC4vFjciMXrxWD+aUBJk+GiCmIPMnDt3fsWKP4wbN0an08XHx7/zzrt0S7RgkB4EDJoKE+NTPeuOTVHuWIj3mljPhltmRZhqLcwLLUz70hzhBPN3o3ozI8P+WNJ8+6YB1MVksRDhjGUT4sQJ/j7Pn5k2KyJtVsSy9ywl/2w+thPWu/SrVS/bsmBknwUjnTiOZm+7+uwTPA/WY0Y8gu8mITvIzMaNm2JjY2JjY+0nWqLAIP7AYDa1Jtp00MD8uqXVBPm6hVlqsho0/8kxFRjYehNlsRCTE2MWpPA2/2A8+4PW1GI1X0xmi8lCPfVk1DsjA8r3Eh3HfPal6Gdfir6lMZccaPjHJqdrMNPAYsxWKwdBOoJBUVRTC/X/VE1NLZTFYi3u15kx44QRL45icLr+lOa07D/gA4GJiIiMjMRKhUHF7UYvzj6xN2iAEWzqZY75epOlL8Pys4G57VKz9k6LmaJMZqvAhMWwXh/Pndgn8OvH/Fxm+HIT7UMDwh9/KnLibHbqf/jnipmzt12tJlsGxXvsD/znu4YkXviBJUM8tcPQxKoxX5Tqvyhtv8ZsO8wYQswc6s5aTE5lxjcWDGpM8OFVjbEWaaUIe4PG+oDFIF7mmI/8W6/+odkW2LeYzJSFQaQ+xvnLqGALHVu+/sx8s5L1aCpT+B9+nhSw++Lt/y29w/Dc+nAURfzniN5O/XK+pLiyaaLAyeSqb2+1UM0PLv7h/SN5ka1XaRNlTVpJZlFR90ejwsTowyRgieV/1LQ47f6T0UyhF8rrWTVmf2nz/q5rzMwhDLFbGgMyo1Cs1+kaoP6/TLbKNy4y1Jjgw9saA1SYGP9rYFaZWy94c72x6bv6VueY2RLTK+xPE3hDuIG6mD/ih0DZMVJvfv6zqi9fSh7eP7KKNA7v33r7Ot5EbKlqObX3wTS+L19KpqUIJhT/Koyi1+3/p4H5JMu6IOZgNvVbLZu8rTcazPYHHcUNT2o0/PVJzy8EwG5d1I+iRiQwn32i9Y9kz/fWn5//FIt+22QkFo958LaqnrL13U2NsdVUnv3FFwf8dh1lzCtD7LFGaNjmgwbmPw1MWD+mxWRVFwuTEA2PlQ3n4GghnuXz78mPz96DXcIsll8Jog68ZM1o2HHDqIrmmCzt1r68eM/IIYiLdls4BFFFECUM8+BHrBEO9Td1t6sb7b8yZHy/JIFXLmM2LOpHUURSHOPJvq2awbEZTPZvOeyH3loVphuVNgAM7yOBxawIy0g29ameeY0iDEZzn37h74m4/pmajAQ6/PsT+5N5YVW2WjK0EbP/eN23lU0ujm9f3k+8vpFgqYRFsFr0pvBIdpO2JWkEl3jE164/0BjKYlWNB6LhEPdv+9bW3nOOTwQJEJJZ1Jpo87YGKmwC76WB6HdFvMLqY7d2f2/NtliQyts8a8Dyg3W7y0jY0pm1YXh9I0VzBt6usVoqfRKjNVfq+UPjrp75hSDMXumuS2hfGUHZ2SUOJkrbtxaq+2aMX4P1yhAXLOnPIoguz/VDkE4i7B9RHBd2+aZBfVNP6lsf8nmRLGH/Tj3WGA3m2zWN5C+tUfZGsuV2TWOTtoXo2wMXbavGWMv23bNcvdVqmugM1qO6esvS3ltYzNz33UUQBAl6FjzFIwhi+T/rLt80jNp8TWu7Ay94igvbO8SqMdVNVlGxvrY01rcwGIwmnZHWGP7QuD4Pl8/pkxTlgfiHM9g23xdlpqizVeazVQ9ZUn/5usXFW5QYBEEQL1Fc2QyRGBCYYf0jdn+v7WRlzChu+JDxfdv4ygjwlcXXNcT3YhO92FqKobUQSSy4lVPjor0SWbxvx3RdMSxB7S3DvDIEQXqQv9yPuzz+3g/f/f7R5LgwWBumM5C/6FX7r9vH/DVX6q1mzQguQRB3B8TQ+4giiLv3X4dFWNoE3z0Am46vzBzCXjS6NZPhz8etWXF/mhLR3tvym+gqQxAE8Rb0hMovX0qGVWHoJWSyp/Yj9Y7R++H9H0xt2Ts/wWmv+DzrHt6Ich757+OdBEmbr8y2yoV9YRjLw2LW9q11ZQzUGARBEC/TdpL/8I4i/07rAtAMZvv03v3AV2avGQ5+sLZvzRQV3L4yzCtDEATpPkynmmGhHkoba/vWQZMQb6NUKuVyOf0jhYWFAoFArVbTW1JTU/Pz8x16oVQq09PT8eQgCNJTPMhd/va6kZaNG1qrdyy/tIV+29BC2b/F3GUfk5mZmZ6eLpPJeDxr8iKoi0qlEgqF8IIgCLFYHFJjgiCI/8Om7ZIf7ph/uPNQLGjndw5vH6qbGdwK4295ZTweTygUFhYWZmZmgqjweDzajoHtID8IgiD+A8yPIUwUFRPOeKx36wydazaxcfG2oQXtGCc0NTU1Nzd36SthYWFcLrczLcViMWgJSZJqtTozM7OwsBA+KiwszMvLI0lSIpGA8EilUplMBp9KJBIwdGQymVQq7e5BIojX2L3rM+tkwxdfwiEOGlrtGJOFen5YxOJRrdlvKwqsVff/Z2Z0e29Lb5jarqcd4mi12m+//dZk7HKp+WHDhg16dFCHzcRisVwu12g0arWax+NlZmbm5+fDW6ENiUQiFAoLCgo0Gk1GRoZIJCIIQqPRSKXSvLy8/Px8uVwuFov5fL9bob078CKxpkuQUFdXV/DFfutqYxnTBwwYEOrDESw8iMc8lFf2sI3S9m3Qx2PcyCuru1HnhsDAn1ZnNIbH44EpQ5IkiAq4ywoLCyESA8YKHfnXaDTWjHg+H9xrmZmZSqVSpVLB26AhjIW1WYOEz3bsbGxshBdvvfVmqA9HsMBstWMezhwzW7OZCRdvre1DfegcsZYVdZdO/oRYLFYoFIWFhRDq5/P5IBt0tL+goKDyPm21hCRJjNkg/snFi6WHDx+Frh0+fPTixVI8UcEB+MoIk9UueXBADqVl2r41YV6ZS76+WP11abWLFv3iOLMmDHp0QKciMTQikYjH42k0GtAYkUikVCqlUikoh0gkUigUeXl59l/RaDQqlQpaQhtvHC+CdJNt23bY72Dbth2bN4/AQQ0CHtTE3PV907n76zxX3DbpDNSoD2/bH+CyL0n6UzNFhUdEBPFDcXfyyr6+WP3Bl9/zn5vQR/jkdxt2tNes5Grdbvm0Lu0Z3GX5+fkgFaA0tBEjk8nkcrlAIICPCgoK4CsKhQJCOLm5uWjHIH7I4cNHSku/t+9Xaen3hw8fmTFjOp6uQOeBHXOvmSqpanFxOA6fYszfEZuzzDp55fqdRyaMGPX6Imth7cZm9ZY9Tps36U3qn28PH9i7S2vx5NiA12KxuLKykv6I1hUaqQ0PHR6CeJGXX14EHjOCIEaORAsmeGDT8RiHQ0rksp4f2ppm9uUVfY3WsYwa+srao18cp+jcv8mfqqP699Z8ddplS1dlhRAkRKDtlW3brP8vWbIIz3zQ8CCvzOGIBsQwfze+NVm5pKpFU++YMRXcEuNGXhnE/AmC+PV4QcmVOtWbG8JiOE0377TXfsHTj/flRVJUsC8piiBICNMaj2lrx5gfSjNz0iC4a2J2h+jIsI2viX6u0zbqTQTxuNM9DRoQGx0Z5qlfRBAE8U+YdDzG4Z+jxrRpgPEY1wwawB0+ML69f24LjEqlEggE9Az/LpGfnw8lMuU23NhDenp628qbCIIg7fFgnr9DA7PloddtGwR3PMadvLL7Mf9GvXHr0asnv68Ji44yNjY5bduXx1k6bcj4If1tXscujCTUwaTnXboHnTXQGZRKpUajga8UFRW5/aMIgoQg9+0YmzfM/p/ZzhVmJhw/tc3ZxOvFOSe+rzn5fc2olYtEf10ZFu08qv8L2bzpgLpR39nFU2ny8/NlMplarSZJ0mtH8BBQLwBBEMQNrBojHBDR1hV2r9lcrDHAv3vN5rYNhAM6WIst1KDn+V+6fpf/3AT+lAm8R5OEr85rbxiaDKaf6rTwlU4OFVSLEdmg3WUSGxkZGQKBIDU1Fdo43UgjkUhgSiaU0RTYkEgk4A2zfyuXy/NtCAQCjUYjEAjoijWpqanQEnZFEIRAIIAJOvAi1C8IBEHAVzYrJXaPJOn7WseCwWdutPrLZqVwZ6U89NFTCZxZKbFBPH7urIN531c2TNDr7LHTfYRP8h5NVm/Z6+IbfbmRVFcSy+hqY6AxdLUYtVqdl5cnFAoh0AIeLacbHZDL5SRJlpWV0XMzoRlJkunp6YWFhbRXzd69plKp5HJ5Tk5OZmamSqWCWpwwLVStVpeVlalUqqysrMzMTJgliiBIyMKGA38+Jfb5oNYMH0DnLj8jTDhz9dZ3G3a4iMdERbBfnjq4q7nL+fn5ubm5oDFZWVl0/TGxWAx3c6lUCsWY29voACwKYD/5X6FQqFQqWCCgPXccVEij1U4sFkO5Gqi8CcUIoF4nagyChDjsUB8Az0FZY1RWy48TwVz74qjO7BfaWzpXXxQqLoMLC8jPz3eYxg+q4FAwxulGp9uVSiXYLiKRqJuLNGPRmsAFrNjMzEx6CSIEcRsmDp1THh846ExJSVe/5dW6y+Aoo8sq5+Tk0FEWlUoFZopCoYC6me1ttIfH44lEInCXwWYwjEQiEf1derv9F8FTB0nMKpWqsLAQS20GE7DKqnv58QjiAGqMx3C/sn/nNMbhVi4Wi+nsMh6PB+F9kiTpwInTjQ7Adojey+XyzMxMPp8vEAgUCgWtSZmZmWq1GmL+sEUkEtH1NyUSiUwmQ40JJiDUJxQKHVJFEMQNGF2anBE6uDE/5pKNzre/Z+aY+z65u4Iqrm09BU8Pil48Om7x6LguDbNEIuHz+Q4q4nQjgnQIOMry8vLUNuhLSKFQ0AmElZWVarVaLpdD3A7W8IaFVqE2a05OjlAoVNogSVIkEuXl5Tm8ddoRqPCP9cqCCYzHOMedemVdyUL+x83+/7jZ/0NxrxdHET/Uk822anDlN1veK7qjut74enqfYf0wNRzpAVQqFZ/PFwqFfD5foVCAxiiVyvz8/IKCAkjiIEkyKytLJBLRdb5VKpVSqYQGChtSqVShUNApiyqVyv4tEjq0+soUCoXgPj0+s8HtSic9DEVYF27rxL9DDY//42b/SBbzs9KmR2LYmcKYZx+NWTO57wbxgFXpfSYKoouvN12+ZQi8EUACH7qEBI/H4/P5EJVRqVRSqZTOElSr1XTpB/st4JuFwhAikSgnJ0cul9OTuuzfIqGD1VeWlZUFRrFIJNJoNFlZWbBqL14GXaLMRoff+JH9eFNM4odnGqPYrEg287djYuYLObUNzDvNxN1m86U6/dVfWur1Jq3BdOb3j8ZFsvzqGJHghiTJ1NRU+0MUi8W5ubkZGRlisZhOYiwsLJTL5fZXu1KpVKvVkFjvgEKh0Gg09EcObx1AX1nwwYS8oLy8PAjb8vn83NxctVod4lklbuSVdSa232hiqvV9enNYj8Swo8JYvx4aO+yR6EYjMyGGulyr/+S07l8/Gq7fMdWQ5jqd5fWCm/b7h2qYQEZGBrjCEcSDFBYW8vl8OnexqKhIpVKRJAmrr9KXHNwr7J0NUEPPqY3ikDuAqQShBhMmyvH5fPrA+Xy+SCRSq9VwU6OrgzgtuKtUKtPT0+l6JBAVhI1ZWVmw7i+9B4lEAnlQ8JrerUqlghImdB0U2E9+fj5Y37AfkiTptwqFAix0ej/+cOF2qDHndbyKu5aXRve++saga28K3pnaK4zJ3P19y1cVLU8PZIsEEdFhrCg2i8NmRbKYhyt0bX8C/vh5PB6YmwjiQWB2Lb0/CMzQjjL460tPT4d1u+mHHlj8WyqV0n+MoDf0PUEmkzm8xZMWOrA1Gk3bKByfz7efElFZWQlxPLp4iT0ajUYqlebl5UFiCVyjGo1GJpPl5uaCEQ2xvoyMDPtpg5WVlUqlElJmi4qKsrKyFAqFvY9OLpfn5ubSF31WVhYsJwyeX5FIpFQqhUJhezkqPsY6B9PSwWzKK40xb0zp2z+2NdUijsOM5zB+vGmp/IUZwSaeTwkfEMNQ/2JOjmN9VkrqWiynfmp85tHotvuRyWQZGRn0PH8E8QhtXVj0H5fDRyKRyKE6kcyG/Rb7hcDbvkVCBKaDnAAajYa2bEASxGIxSZIajUapVMLzCD0PnM/ng/bA7AqwJ/h8PmgDFCaBGRgQGIRvwadgdMNPiEQih54UFBQUFhbSGZMqlQqKM6anp0NncnNzNRoN2DSe5cfrP3etsH/nfGW3WyJ+PSTafovwEXZ0GIvDZhb/RHx7nRrHD//7873WTeXNF8awGAxGRz8qkUiysrLAlLTP3aDrYCoUCvBpgJzb51OA+Yh/6QiCeA+mUCi0v/WDwMAiJfY/Sj8vS6VS2lfbtldOn6xlMpn97HSnu3WKUCjMzc3l8/kgKqA69K6gNFZubm5mZmZqamqPxyfAjnENQVA36psNdtTc1bPuS8mlG9TtBgvLYtDr9S+lhvfiOJ8hS5KkXC63n8+fZwMqwcAQSaVSKGgGCwGA5zMnJ0csFkNNGnqqnW8HCUGQ0IIJNQ0htQwiHFlZWWKxuPMzt0GT4EmZNk1oRCJRewUZOwlku0E2pFOThW8jIOIxvdkG6cFbWt0DCi7r6SVHTRT16fmWg2Xkxev1/6tuXjo6OqyNyoCNAuIKW8RiMRid9PRs2jSEMcnNzc3KygJ1F4lEkJBKkmQ3FzpDEATpEDbcg+RyeUZGBjTOzMzs0vxwHo+nUCjUajXc+BxMEyj/Dj4ZHo9XUFBgn1/gGgj18/l8mUwmFArp+iVg4hQUFEgkEriNZtrw4Ol2Y55/fHx8h/GYJyLrzxuS/1UbRui1hMVChHOTerEMZurSDWp6SvgX6maD2bLpHMNsMdUbjcMHsN6a4hiM6b5TG8okkyTpkOuBIAjicbpbSwYmAAffErzurLVMENevX799+7aLBjojY0dVv2cejc39ltTqqdGPhD/zaEQUm/HMk9H9Y1lHrhqyv65vMpkbjOaGFtPs4TEfz3mE/i6s1OKgMfY1Y+Bc5Obm0mU8ioqKINVCJpPR+RQwBwKUG+0YxK/A+THBB9aS8SQDbbje4V2u9obW9NM9Q3QY+7sbLdfuWf7vxChemFGvNz49kKgQht9pMlVrGVoj861JfbrUN6lUqlarwR6FeU48Hg8iNyKRCIp8yGQyWN/FIUsVQRDEG6DGOMeddTA7x/8Zxl3z1a1mk4VBmC0UZbRQa77WaRtZ0x5jbC+jGkys+ChGTCRrdHLcwF5h9nsUiURtHWUOedttc0+dLmRJB2wQBEG8CtZd7hlWFNRtOXMvksUKZzLYTCaTQfTlWOqaGEYzFRFO5C1IeHqQk2kxHgFsnaKiIgzGIP4G+sqCD1w/pmfYmDHgysrHXxgeExfN0LYYtS2mH0mLIJ615rnel15/1HsCA8kdOTk5KDAIgvgAtGOc417MH0GQ7oB2TPCBdowvaGhoOHz4SPAfJ4IgyMOgxviCPXv+8cEHH9bV1QX/oSIIgtiBGuMcN+qVtUddXd2nn+5obGz84IMPfdJ3BEEQfwE1xuvQ0qJSFV+8WBrMh4ogCPIwqDHe5eLFUpWqmP6JTZvQlEEQJIRAjXGOG+tgOsVBVH788RoG/xEECR1QY7zI4cNHfvzxmsP+P/jgw4aGhqA6TgRBkHbAWjJeZMaM6TNmTAeP2bZtOzZvfj9oDxVBEMQZqDHO8V69MgRBkNABfWUIgiCIt0CNQRAEQbwFaoxzPJVXhiAIEsqgxiAIgiDeAjUGQRAE8RaYV+YczCtDEATpPmjHIAiCIN4CNQZBEATxFqgxzsG8MgRBkO6DGoMgSMhhMpnwpPsGjPkjCOJ5mlqonKMNmrvmru2ZNZsgiH/tqO9mfzjhjLemxfDjWSaTyWg0trQYDQa9xUIZjca2jcPCwsLDwyIiIjkcDpPJwIvBs6Ad4xwProOJIF1FqVSmpqYKBIKMjAy1Wk0QhNyGewPZne+6zdFyQ5cFxnM0t1DZR3Q3rNTdvn1Hq9UaDC1OBYYgCKPR2NjYdPfu3Zqamrt37+r1hp7qdlCCdgyC+BcqlUqhUOTl5YlEIpVKVVhYKBQKc3Jy3O5kd74buOiNhMnUZZFrbGxqbGyKjY3hcnlo03gE1BgE8S80Gg2fzxeJRARBiGzgCfIxOl2DXm/o3Ts+LCwspA7cG6CvzDmYV4b0FJmZmQRBSCQSkiTpLkgkEqVSCVZOeno6uNHS09Nho8QGvd3+i/bfdd0MscdoNN68eQtTA7oPagyC+B15eXkEQdASQkOSZFZWVmZmZmVlpUwm02g09EdqtTo3N7eoqEij0eTn57d3RJ1shhAEQVHU7dt3LBYKB6M7oK8MQfwOPp+fl5enUqnkcjmPxwPLBhSCJEmpVNrWjSYWi4VCIWy31x4HOtms+1AEZaYC/u5sNBp1Oh2Px/WDvgQqqDHOwXplSI8jEomkUqlSqaQ1hiRJHo9H98ups8u+gQs62cxtLBRhCgoLQKvVRkdHsdl4q3QT9JUhiH+Rn59PpxqrVCo+n093TyQSkSQJDjS5XA5pzf6JhaJMlh7+56mBaWhowL8Rt0GNQRD/QigUkiQpsKHRaOwzj3k8Xk5OjkKhEAgEarUavF7+idWOoaie/eepgWloaMS/EbdhUIHvM/UGjw8clLf7c09Nw7x4sXTbth2bN7/vb4eJBDQZGRlisRjCM/5DrZHacsv41T2T4f70EpaB4tw0RdcamSaf3m2UMz02m7Jv376RkRGe2ltIgU5GBAlICgsLIUnMrzq/5Zbx419s0+nt5i+aIxgN/LDmfixueTO7wdKD3XMbg8GAGuMeqDEIEkjQ1WX4fH5OTo59tKbH+VNNS0F9uxNKzJHM+tSo2NImVkOP1Zhxm/bq0CAdghrjHM/mlcXExNTV1Xmyf0ioUlBQ4J9HfkpndiEwAMVmNAznRJ1rYPjWadZ9LJbA00U/ATXGFzzxxOM6XcPFi6UjR44I/qNFQpL3brR05rAtkUxD/zB2VYDVnTSbUWPcBPPKfMT8+XM3bfoQkyCRoKRCb7lhtDNNKId/lP0/04Aw3+Q0e3Ck3SiviQCoMc7xeL2yJUsWPfHE4y+//NuiIpUnO4ogfsC/my0PCYmjyDyAoghLDMs3Oc14ZfgD6CvzHW+99ebhw0c2bfrwrbfWPP74YzExMaFy5Eiw0zh1LjWwC35gX5UAwOL8PQ9qjE+ZMWP6jBnTGxoafvjhxxA6bCTY+Sayf+lD8f6HJaSNoJgsvslgZnlqRxER4Z7aVaiBGuMcr9Yri4mJweA/EkyYG8w7fmp2dUB2niuq2YKOrNABNQZBkO4yJoYVwyQaoNKyg360edtSZwi4cplYE9NtcOAQBPEAmb3ZW27oH3KMORMbykQ1/9wccIuysFh4q3QTzCtzDq6DiSBd4rVHIp+IZFAWC2GxEGYzZTZTFkvrP7u3DVcaW5rMAZdXFhGBhWTcBMUZQRDPsHUwd2l5/dVGW9kVChYqgx23lt7Vlev1dQG5enF4OMb83QQ1BkEQDwDllm+GRU7vwzr5S1Oz0TZpEbSFIhKjwx7hRp0ZGG4yNuh/CbBJ/mw2i8nENGg3QY1xDq6DiSCdRGemtvxi/PxOq4ESFhO5c0TM9UZjVbOpTGt4pndk3wh2TDh7hcYQlcCKSohs/sVQV3zbYgyYAszoKOsOuH4MgiDuozNTy64b/q1/IBhRTMbHAx1vykUN5i23HpQuthgtmhO3DPWdKnHmNld+65lpzn369OZwOF7tahCDdgyCIG7SVmAIgmiyUBeaLKOjHson+kb3UL0vZhgzeXK/61/f1N/zlswM6e2xhKaIiEhP7SoEQY1xjmfXwUSQoGTLLeO/m50Ui/xGaxod9SBIfttEXWlybMZiMxLGxV/7+qa5pVWiIqiWPtQdp+OkY8RoGbGdH8KhvVl5v47yyJBzOBwMxnQH1BgEQdzhQqP58zvOV+660Gi+baL6sFtvzd/onOeScXqF/0XSd0Fka4GA6uqqvXsLnbZMS5swYcKEHjlN6CXrJqgxzsGYP4K45qObRhfB3PMN5ulxrbeXb7Tm9lp+ro+cHG7ox7SaMkwmKyrKufERFhbWI2eDwWCgxnQT1BgEQbpMbYvlQqOrmS5HSCNozIVG8y8uU8gOGiJe4TTb5tIz/U1joqLQUdZdUGMQBOky+beNbasp2/NLC3Wl2TyUwzrfYHbd8mtDOGgMk8lqz2hobOyZxf2ioqJ75HeDCdQYBEG6zDmdieqoPv839UZBOPNfHSUoNxJESQs7LdxUX3+vPTvG4qO1AB4iLCwsMhJnxnQX1BgEQbpMRaPzaL8953TG3myiSLd0rQAAC8hJREFUQykiCELdwkoLNzU2NranMSYbPi5+HBvbhUw2pD1QYxAE6RrndUaiE8rRaCH+catTy+D/ZGQ0NTW1tLS0pzEEQdy8WZeYmOSzM8Vms6KjPZP9HOKgxiAI0jVq9NY6yh4cNHUzcf3Gz64zuO7evRsREdmnTx/fnCyMxHgK1BgEQbpGTbPRYvRw+eTO1AQjyfrGxgaOjdhYrvfOGoPBQEeZp0CNQRCkawyOYntWY3ozzC68ZA6YzeaGhgaKorhcnpdOXGxsLKYsewrUGARBusazfTiz+0Z+WavzyLhFMagVXB2LxerSt/R6vZc0hs1moRHjQbDuMoIgbmI0Gm/evBVk95D4+HiM9nsQXGsZQRB3sFioO3fuBpnAhIWFocB4FtQYBEHcQasljcaOZ8kEFnFxcXgxeBbUGARBukxzc7NO1zP1XbwHh8PBif0eBzUGQZCuAV6yIBs0BoMRF+etRLVQBjUGQZCucfdusIVhCILg8bg+rlUTIqDGIAjSBZptBNmIhYWFYb6yl0CNQZBQQSKRCO4jkUjcOGo3vGTz5887ePCA90b4/PlzM2ZMF4kmdmcnvXvHe65HyEOgxiBICCGTySpt5OXltT1qkiRTU1M1Gk17A1Jff8/fvGS7duVNmjRZpSp2ew9cLren1kALBVBjEARphbTR3mjo9YbGxiZ/G6va2prExAS3vx4REc7jebH0GYIagyAhikajAauFJMn09HS1Wp2enk4QRHp6ulwuty52mZ8PnrWMjAy1Wl1fXy8STVQqlSLRxLy8XSLRxPXr14tEE+EFjCG9Zf78ebW1tU4Hdv78eXl5u+D1ihUr4HVe3i5wea1YscK6Pk1Fxfz580SiiTNmTAdX24oVK95+++358+dBA3pXtbW1SqUS9jl//ry3334b/GYHDx6AHUJvwasG+4fdVlRU5OXljR07Nj093cF002g0tFNRqVQSBKFUKtPT08HZmJqaqlar8a+mk6DGIEgIoVAo6Fsnn8/PyclRKpX5+fkymUwoFBYVFREEUVRUlJOTo1KplEplQUFBZWWlSCTKzs6GGZfnz59TqYolkhdtSnD18OEj77zzzsGDByoqKgiCWLVqlUpVrFIVJyQkHjjQ2TDM+fPnlErlnj17VarijRs36nS6FSv++OKLL6pUxatWrVIqlTqdDppt3PjBxo0b6S/u2bM3ISFBKpXu2bPXZtPUTp48SaUqPn/+3Pr166VSKexQqVSeP38OvjJ27BiVqnjw4CFLly7p379/WVkZqKl9f/h8Pu1RVCgUYNtpNBqxWFxZWcnn80F4kM6AuXoIEkLIZDKpVEofr1gsVqvVJEmKxWKHQVCr1RqNJiMjA94mJLT6o2bPnk23mT17dmxs7KRJk2Nj11dUXB08eHBe3q5z587DDZ3+SoeMGTN21apV69evnz171pgxYysqrup0uvU24KugMZMmTXa9z4SEhEmTJluX4Dx3ftKkybNmzYadT5o0+dy582PHjoGdgNLU1d14+eXFBEGIRCIHD6FGo1EqlYWFhbAd/ufz+ZmZmTBoDpqEuAA1BkEQ54jF4tzcXNtNVqvVal2MEiT+VlRUKJVKqVS6ceNGWh7aawzodK27nTVr9qxZs5VK5YEDB2fPnhUbG3v48BHvnZe4uDgms10vjkKh0Gg0BQUF4Dl0+JTHw6maXQB9ZQgSusCjOkmShYWF9CDAY7tQKCwsLFSpVBYLBWZEh9TW1oBZU1tbS/um2pKQkHjixAmIwYCHjWbIkMHnz58bPHgIfOr2eRk7dszJkycgkHP+/LmTJ0+AEQMwGIzoaFfLXGo0GpFIxOfz7YcFcQ/UGAQJIeh4DAT5FQqF1IZcLtdoNOAOysjIkMvlIpFIKpVKJJJBgwZOnPirkydPdDhK4J6yheX/6GJK44svvqjT6USiiSdOnBg8eDAdjReJJu7atUsqlcbGxkql0l27dsFGN4IfY8aMlUqlkICwYsUKqVQ6ZsxY+tPeveNdL1cjk8lUKpVAIFCpVCF0cXgHXD8GQZB2sVio2traYLpLcLlcTFb2JWjHIAjSLjqdLpgEJjo6CgXGx6DGIAjinM5HYgKCsLCwuLheeK59DGoMgiDOaWxsCBojhs1m9evXj8lk+EFfQgvUGARBnNPQECSrkDEYjD59+qDA9AioMQiCOEGvN5hM5u6PzMGDB+bPn+ezEa6trRWJJtqXsWEwGP379+uw6qXchvc7GHKgxiAI8gClUgm32qamxkAcloSEBFslmwflAHr16tWewKhUKnqKZY4NX3UzhECNQRDkAVAd0mKh/LDEshvEx8dHR0e19z0XqxggngI1BkFCBZIkMzIyYA6mQqGAKZlgtYD5IpfL820MGjSwtra2bfFj+9rG8Nq+jDF4xmDipEg00cVU//aKIkNR5/Pnz0FdZ7pMMuyqbVHntrWfYT9045SUoXC8Go2GLiMNkyvz8/Nh5qlAIMjPz5dIJDDZkyRJejG3jIwM0CGJjfT0dNjoYgUExAHUGAQJFbKysoRCYWVlZVFRUX5+vkqlkslkahsqlQqcRZk2Llz4LjY21mnxY7q2sf3rhISEXbt2QdkxqLsslUrbm5/voiiyzX9VDJq3ceNGlarYvgaM06LObWs/AwqFAmonC4VCmUwGJQxgi0wmUygUmZmZOTk5UGIZil0CWVlZJEmWlZVVVlbyeDw6SKNWq3Nzc4uKikCu8K+mk2BNTAQJFaAyCn1/hCf03NxciUTisCxmc3Nze8WP6drG8BpqG0+ePBlu+ufPnztx4iQYPe3VSHZRFBmKOldUVIwZMxaqv0gkL9Ja5bSos0PtZ9hOu8gUCoVQKIRS0yqVqrCwEA6fz+c77RtJkiqVqqCgAApfymQy2moRi8VCoRDqNKOTrfOgxiBICFFQUAA3SheYTCb4sPPFj+nqZG+//faYMWNVquKDBw+AZeMGWq2O3iE9CbTDos72FdJAYKCmJ5RPBgNFJBJVVlbm5+d3ZwEYrLvcJdBXhiChgkgkgjCMPVlZWTk5OVlZWfS2+vp6giDcKH6sszF58iSCIE6cONleM9dFkaH68smTJ86fP1dbW/v222/Dxk4WdY6NbS0Vo9FoFAoFrE1ALyMNy+S0LTJNw+PxRCKRXC6H7QqFQiQSoah0B9QYBAkVZDIZSZJ0NBsmhYhsCIVCkJ/MzMzLly+LRBN1Ol1Xix9DvWSI27to5rooMl2/ecWKFfPnz6N9Yp0p6hwVFR0ZGQGvIZ4PUXqBQKBWqyEMIxAI6PZisZjP50PMn94IGcypqakCgYAkSUxo7iZYdxlBkIeoqqr2nwHR6XQzZkzfunUbrALQHjCTnxYYxH/AeAyCIA+ARfv9h127diUkJHQoMJ2ZyY/0CKgxCII8gA749yBgu8DvDx48+J13/uKiL2FhYb17x6PA+C3oK0MQ5AEdLt3vV0REhPfp0xeLXfozaMcgCBKQREdHxcfH47nzc1BjEAR5gMGgD4jRcF2IDPEfUGMQBAkkMMIfWKDGIAgSMGAAJuBAjUEQJDDgcrk8HhdPVmCBGoMgyAPCw8MNhhZ/GxA2m9WrVzxOsQxEUGMQBHkAg+F39aU4HE58fDz6xwIU1BgEQR4QHu5HsXQGg9G7dzyHw/GDviBughqDIMgD/CdfC82X4AA1BkGQB7DZ7LCwsJ6tWobRl2ACNQZBkIeIjo6qr++Z9eoZDEZsbCwmjwUTqDEIgjxEdHQMSWp9X8kwOjqKy+Wy2XhTCirwdCII8hBMptWY8GVlzIiI8F69euHU/aAENQZBEEdiY2Obm5t9EJWJiAjncnkYeglisLY/giBOMBqNN2/e8t79gcPhxMTEoLoEPagxCII4xxsyw2AwYmKiY2JiMO4SIqDGIAjSLkaj8c6dux5xmnFsYEH+UAM1BkGQDtDpdG5nmnE4nIiIcA6Hg4ZLaIIagyBIp2hsbGpubtbr9a5vGgwGIzw8LCIiMjw8DMvAIKgxCIJ0DaPRaDabDQaD/bfCw8Nt6hLOZPpdVU2kpyAI4v8Deuvq+rO4ZNoAAAAASUVORK5CYII=" id="0" name="Picture 1"/>
           <p:cNvPicPr>
             <a:picLocks noGrp="1" noChangeAspect="1"/>
           </p:cNvPicPr>
-          <p:nvPr>
-            <p:ph type="pic" idx="1"/>
-          </p:nvPr>
+          <p:nvPr/>
         </p:nvPicPr>
         <p:blipFill>
           <a:blip r:embed="rId2"/>
-          <a:srcRect l="32421" r="32421"/>
           <a:stretch>
             <a:fillRect/>
           </a:stretch>
         </p:blipFill>
-        <p:spPr/>
+        <p:spPr bwMode="auto">
+          <a:xfrm>
+            <a:off x="3568700" y="952500"/>
+            <a:ext cx="5105400" cy="2374900"/>
+          </a:xfrm>
+          <a:prstGeom prst="rect">
+            <a:avLst/>
+          </a:prstGeom>
+          <a:noFill/>
+          <a:ln w="9525">
+            <a:noFill/>
+            <a:headEnd/>
+            <a:tailEnd/>
+          </a:ln>
+        </p:spPr>
       </p:pic>
       <p:sp>
         <p:nvSpPr>
-          <p:cNvPr id="4" name="Text Placeholder 3"/>
-          <p:cNvSpPr>
-            <a:spLocks noGrp="1"/>
-          </p:cNvSpPr>
-          <p:nvPr>
-            <p:ph type="body" idx="2" sz="half"/>
-          </p:nvPr>
-        </p:nvSpPr>
-        <p:spPr/>
-        <p:txBody>
-          <a:bodyPr/>
-          <a:lstStyle/>
-          <a:p/>
+          <p:cNvPr id="1" name="TextBox 3"/>
+          <p:cNvSpPr txBox="1"/>
+          <p:nvPr/>
+        </p:nvSpPr>
+        <p:spPr>
+          <a:xfrm>
+            <a:off x="3568700" y="4076700"/>
+            <a:ext cx="5105400" cy="508000"/>
+          </a:xfrm>
+          <a:prstGeom prst="rect">
+            <a:avLst/>
+          </a:prstGeom>
+          <a:noFill/>
+        </p:spPr>
+        <p:txBody>
+          <a:bodyPr/>
+          <a:lstStyle/>
+          <a:p>
+            <a:pPr lvl="0" indent="0" marL="0" algn="ctr">
+              <a:buNone/>
+            </a:pPr>
+            <a:r>
+              <a:rPr/>
+              <a:t>Diagram that shows a federation example between an on-premises Active Directory and Azure Active Directory.</a:t>
+            </a:r>
+          </a:p>
         </p:txBody>
       </p:sp>
     </p:spTree>
   </p:cSld>
-  <p:clrMapOvr>
-    <a:masterClrMapping/>
-  </p:clrMapOvr>
+</p:sld>
+</file>
+
+<file path=ppt/slides/slide3.xml><?xml version="1.0" encoding="utf-8"?>
+<p:sld xmlns:a="http://schemas.openxmlformats.org/drawingml/2006/main" xmlns:r="http://schemas.openxmlformats.org/officeDocument/2006/relationships" xmlns:p="http://schemas.openxmlformats.org/presentationml/2006/main">
+  <p:cSld>
+    <p:spTree>
+      <p:nvGrpSpPr>
+        <p:cNvPr id="1" name=""/>
+        <p:cNvGrpSpPr/>
+        <p:nvPr/>
+      </p:nvGrpSpPr>
+      <p:grpSpPr>
+        <a:xfrm>
+          <a:off x="0" y="0"/>
+          <a:ext cx="0" cy="0"/>
+          <a:chOff x="0" y="0"/>
+          <a:chExt cx="0" cy="0"/>
+        </a:xfrm>
+      </p:grpSpPr>
+      <p:sp>
+        <p:nvSpPr>
+          <p:cNvPr id="3" name="Content Placeholder 2"/>
+          <p:cNvSpPr>
+            <a:spLocks noGrp="1"/>
+          </p:cNvSpPr>
+          <p:nvPr>
+            <p:ph idx="1"/>
+          </p:nvPr>
+        </p:nvSpPr>
+        <p:spPr/>
+        <p:txBody>
+          <a:bodyPr/>
+          <a:lstStyle/>
+          <a:p>
+            <a:pPr lvl="0" indent="0" marL="0">
+              <a:buNone/>
+            </a:pPr>
+            <a:r>
+              <a:rPr/>
+              <a:t>An on-premises federation with Azure AD might be good if your organization wants all authentication to Azure resources to happen in the local environment. Administrators can implement more rigorous levels of access control. But this means that, if your local environment is down, users can’t access the Azure resources and services they need.</a:t>
+            </a:r>
+          </a:p>
+          <a:p>
+            <a:pPr lvl="0" indent="0" marL="0">
+              <a:buNone/>
+            </a:pPr>
+            <a:r>
+              <a:rPr/>
+              <a:t>With a B2B collaboration, external teams get the required access to Azure resources and services with the appropriate permissions. There’s no need for a federation and trust to be established, and authentication doesn’t depend on an on-premises server. Authentication is done directly through Azure. Collaboration becomes simplified, and you don’t have to worry about situations where users can’t sign in because an on-premises directory isn’t available.</a:t>
+            </a:r>
+          </a:p>
+        </p:txBody>
+      </p:sp>
+    </p:spTree>
+  </p:cSld>
+</p:sld>
+</file>
+
+<file path=ppt/slides/slide4.xml><?xml version="1.0" encoding="utf-8"?>
+<p:sld xmlns:a="http://schemas.openxmlformats.org/drawingml/2006/main" xmlns:r="http://schemas.openxmlformats.org/officeDocument/2006/relationships" xmlns:p="http://schemas.openxmlformats.org/presentationml/2006/main">
+  <p:cSld>
+    <p:spTree>
+      <p:nvGrpSpPr>
+        <p:cNvPr id="1" name=""/>
+        <p:cNvGrpSpPr/>
+        <p:nvPr/>
+      </p:nvGrpSpPr>
+      <p:grpSpPr>
+        <a:xfrm>
+          <a:off x="0" y="0"/>
+          <a:ext cx="0" cy="0"/>
+          <a:chOff x="0" y="0"/>
+          <a:chExt cx="0" cy="0"/>
+        </a:xfrm>
+      </p:grpSpPr>
+      <p:sp>
+        <p:nvSpPr>
+          <p:cNvPr id="2" name="Title 1"/>
+          <p:cNvSpPr>
+            <a:spLocks noGrp="1"/>
+          </p:cNvSpPr>
+          <p:nvPr>
+            <p:ph type="title"/>
+          </p:nvPr>
+        </p:nvSpPr>
+        <p:spPr/>
+        <p:txBody>
+          <a:bodyPr/>
+          <a:lstStyle/>
+          <a:p>
+            <a:pPr lvl="0" indent="0" marL="0">
+              <a:buNone/>
+            </a:pPr>
+            <a:r>
+              <a:rPr/>
+              <a:t>Next unit: Exercise - Give guest users access in Azure Active Directory B2B</a:t>
+            </a:r>
+          </a:p>
+        </p:txBody>
+      </p:sp>
+      <p:sp>
+        <p:nvSpPr>
+          <p:cNvPr id="3" name="Content Placeholder 2"/>
+          <p:cNvSpPr>
+            <a:spLocks noGrp="1"/>
+          </p:cNvSpPr>
+          <p:nvPr>
+            <p:ph idx="1"/>
+          </p:nvPr>
+        </p:nvSpPr>
+        <p:spPr/>
+        <p:txBody>
+          <a:bodyPr/>
+          <a:lstStyle/>
+          <a:p>
+            <a:pPr lvl="0" indent="0" marL="0">
+              <a:buNone/>
+            </a:pPr>
+            <a:r>
+              <a:rPr>
+                <a:hlinkClick r:id="rId2"/>
+              </a:rPr>
+              <a:t>Continue</a:t>
+            </a:r>
+          </a:p>
+          <a:p>
+            <a:pPr lvl="0" indent="0" marL="0">
+              <a:buNone/>
+            </a:pPr>
+            <a:r>
+              <a:rPr/>
+              <a:t>Need help? See our </a:t>
+            </a:r>
+            <a:r>
+              <a:rPr>
+                <a:hlinkClick r:id="rId3"/>
+              </a:rPr>
+              <a:t>troubleshooting guide</a:t>
+            </a:r>
+            <a:r>
+              <a:rPr/>
+              <a:t> or provide specific feedback by </a:t>
+            </a:r>
+            <a:r>
+              <a:rPr>
+                <a:hlinkClick r:id="rId4"/>
+              </a:rPr>
+              <a:t>reporting an issue</a:t>
+            </a:r>
+            <a:r>
+              <a:rPr/>
+              <a:t>.</a:t>
+            </a:r>
+          </a:p>
+        </p:txBody>
+      </p:sp>
+    </p:spTree>
+  </p:cSld>
 </p:sld>
 </file>
 
@@ -3467,4 +3834,265 @@
   </a:objectDefaults>
   <a:extraClrSchemeLst/>
 </a:theme>
+</file>
+
+<file path=ppt/theme/theme2.xml><?xml version="1.0" encoding="utf-8"?>
+<a:theme xmlns:a="http://schemas.openxmlformats.org/drawingml/2006/main" name="Office Theme">
+  <a:themeElements>
+    <a:clrScheme name="Office">
+      <a:dk1>
+        <a:sysClr val="windowText" lastClr="000000"/>
+      </a:dk1>
+      <a:lt1>
+        <a:sysClr val="window" lastClr="FFFFFF"/>
+      </a:lt1>
+      <a:dk2>
+        <a:srgbClr val="44546A"/>
+      </a:dk2>
+      <a:lt2>
+        <a:srgbClr val="E7E6E6"/>
+      </a:lt2>
+      <a:accent1>
+        <a:srgbClr val="5B9BD5"/>
+      </a:accent1>
+      <a:accent2>
+        <a:srgbClr val="ED7D31"/>
+      </a:accent2>
+      <a:accent3>
+        <a:srgbClr val="A5A5A5"/>
+      </a:accent3>
+      <a:accent4>
+        <a:srgbClr val="FFC000"/>
+      </a:accent4>
+      <a:accent5>
+        <a:srgbClr val="4472C4"/>
+      </a:accent5>
+      <a:accent6>
+        <a:srgbClr val="70AD47"/>
+      </a:accent6>
+      <a:hlink>
+        <a:srgbClr val="0563C1"/>
+      </a:hlink>
+      <a:folHlink>
+        <a:srgbClr val="954F72"/>
+      </a:folHlink>
+    </a:clrScheme>
+    <a:fontScheme name="Office">
+      <a:majorFont>
+        <a:latin typeface="Calibri Light" panose="020F0302020204030204"/>
+        <a:ea typeface=""/>
+        <a:cs typeface=""/>
+        <a:font script="Jpan" typeface="ＭＳ Ｐゴシック"/>
+        <a:font script="Hang" typeface="맑은 고딕"/>
+        <a:font script="Hans" typeface="宋体"/>
+        <a:font script="Hant" typeface="新細明體"/>
+        <a:font script="Arab" typeface="Times New Roman"/>
+        <a:font script="Hebr" typeface="Times New Roman"/>
+        <a:font script="Thai" typeface="Angsana New"/>
+        <a:font script="Ethi" typeface="Nyala"/>
+        <a:font script="Beng" typeface="Vrinda"/>
+        <a:font script="Gujr" typeface="Shruti"/>
+        <a:font script="Khmr" typeface="MoolBoran"/>
+        <a:font script="Knda" typeface="Tunga"/>
+        <a:font script="Guru" typeface="Raavi"/>
+        <a:font script="Cans" typeface="Euphemia"/>
+        <a:font script="Cher" typeface="Plantagenet Cherokee"/>
+        <a:font script="Yiii" typeface="Microsoft Yi Baiti"/>
+        <a:font script="Tibt" typeface="Microsoft Himalaya"/>
+        <a:font script="Thaa" typeface="MV Boli"/>
+        <a:font script="Deva" typeface="Mangal"/>
+        <a:font script="Telu" typeface="Gautami"/>
+        <a:font script="Taml" typeface="Latha"/>
+        <a:font script="Syrc" typeface="Estrangelo Edessa"/>
+        <a:font script="Orya" typeface="Kalinga"/>
+        <a:font script="Mlym" typeface="Kartika"/>
+        <a:font script="Laoo" typeface="DokChampa"/>
+        <a:font script="Sinh" typeface="Iskoola Pota"/>
+        <a:font script="Mong" typeface="Mongolian Baiti"/>
+        <a:font script="Viet" typeface="Times New Roman"/>
+        <a:font script="Uigh" typeface="Microsoft Uighur"/>
+        <a:font script="Geor" typeface="Sylfaen"/>
+      </a:majorFont>
+      <a:minorFont>
+        <a:latin typeface="Calibri" panose="020F0502020204030204"/>
+        <a:ea typeface=""/>
+        <a:cs typeface=""/>
+        <a:font script="Jpan" typeface="ＭＳ Ｐゴシック"/>
+        <a:font script="Hang" typeface="맑은 고딕"/>
+        <a:font script="Hans" typeface="宋体"/>
+        <a:font script="Hant" typeface="新細明體"/>
+        <a:font script="Arab" typeface="Arial"/>
+        <a:font script="Hebr" typeface="Arial"/>
+        <a:font script="Thai" typeface="Cordia New"/>
+        <a:font script="Ethi" typeface="Nyala"/>
+        <a:font script="Beng" typeface="Vrinda"/>
+        <a:font script="Gujr" typeface="Shruti"/>
+        <a:font script="Khmr" typeface="DaunPenh"/>
+        <a:font script="Knda" typeface="Tunga"/>
+        <a:font script="Guru" typeface="Raavi"/>
+        <a:font script="Cans" typeface="Euphemia"/>
+        <a:font script="Cher" typeface="Plantagenet Cherokee"/>
+        <a:font script="Yiii" typeface="Microsoft Yi Baiti"/>
+        <a:font script="Tibt" typeface="Microsoft Himalaya"/>
+        <a:font script="Thaa" typeface="MV Boli"/>
+        <a:font script="Deva" typeface="Mangal"/>
+        <a:font script="Telu" typeface="Gautami"/>
+        <a:font script="Taml" typeface="Latha"/>
+        <a:font script="Syrc" typeface="Estrangelo Edessa"/>
+        <a:font script="Orya" typeface="Kalinga"/>
+        <a:font script="Mlym" typeface="Kartika"/>
+        <a:font script="Laoo" typeface="DokChampa"/>
+        <a:font script="Sinh" typeface="Iskoola Pota"/>
+        <a:font script="Mong" typeface="Mongolian Baiti"/>
+        <a:font script="Viet" typeface="Arial"/>
+        <a:font script="Uigh" typeface="Microsoft Uighur"/>
+        <a:font script="Geor" typeface="Sylfaen"/>
+      </a:minorFont>
+    </a:fontScheme>
+    <a:fmtScheme name="Office">
+      <a:fillStyleLst>
+        <a:solidFill>
+          <a:schemeClr val="phClr"/>
+        </a:solidFill>
+        <a:gradFill rotWithShape="1">
+          <a:gsLst>
+            <a:gs pos="0">
+              <a:schemeClr val="phClr">
+                <a:lumMod val="110000"/>
+                <a:satMod val="105000"/>
+                <a:tint val="67000"/>
+              </a:schemeClr>
+            </a:gs>
+            <a:gs pos="50000">
+              <a:schemeClr val="phClr">
+                <a:lumMod val="105000"/>
+                <a:satMod val="103000"/>
+                <a:tint val="73000"/>
+              </a:schemeClr>
+            </a:gs>
+            <a:gs pos="100000">
+              <a:schemeClr val="phClr">
+                <a:lumMod val="105000"/>
+                <a:satMod val="109000"/>
+                <a:tint val="81000"/>
+              </a:schemeClr>
+            </a:gs>
+          </a:gsLst>
+          <a:lin ang="5400000" scaled="0"/>
+        </a:gradFill>
+        <a:gradFill rotWithShape="1">
+          <a:gsLst>
+            <a:gs pos="0">
+              <a:schemeClr val="phClr">
+                <a:satMod val="103000"/>
+                <a:lumMod val="102000"/>
+                <a:tint val="94000"/>
+              </a:schemeClr>
+            </a:gs>
+            <a:gs pos="50000">
+              <a:schemeClr val="phClr">
+                <a:satMod val="110000"/>
+                <a:lumMod val="100000"/>
+                <a:shade val="100000"/>
+              </a:schemeClr>
+            </a:gs>
+            <a:gs pos="100000">
+              <a:schemeClr val="phClr">
+                <a:lumMod val="99000"/>
+                <a:satMod val="120000"/>
+                <a:shade val="78000"/>
+              </a:schemeClr>
+            </a:gs>
+          </a:gsLst>
+          <a:lin ang="5400000" scaled="0"/>
+        </a:gradFill>
+      </a:fillStyleLst>
+      <a:lnStyleLst>
+        <a:ln w="6350" cap="flat" cmpd="sng" algn="ctr">
+          <a:solidFill>
+            <a:schemeClr val="phClr"/>
+          </a:solidFill>
+          <a:prstDash val="solid"/>
+          <a:miter lim="800000"/>
+        </a:ln>
+        <a:ln w="12700" cap="flat" cmpd="sng" algn="ctr">
+          <a:solidFill>
+            <a:schemeClr val="phClr"/>
+          </a:solidFill>
+          <a:prstDash val="solid"/>
+          <a:miter lim="800000"/>
+        </a:ln>
+        <a:ln w="19050" cap="flat" cmpd="sng" algn="ctr">
+          <a:solidFill>
+            <a:schemeClr val="phClr"/>
+          </a:solidFill>
+          <a:prstDash val="solid"/>
+          <a:miter lim="800000"/>
+        </a:ln>
+      </a:lnStyleLst>
+      <a:effectStyleLst>
+        <a:effectStyle>
+          <a:effectLst/>
+        </a:effectStyle>
+        <a:effectStyle>
+          <a:effectLst/>
+        </a:effectStyle>
+        <a:effectStyle>
+          <a:effectLst>
+            <a:outerShdw blurRad="57150" dist="19050" dir="5400000" algn="ctr" rotWithShape="0">
+              <a:srgbClr val="000000">
+                <a:alpha val="63000"/>
+              </a:srgbClr>
+            </a:outerShdw>
+          </a:effectLst>
+        </a:effectStyle>
+      </a:effectStyleLst>
+      <a:bgFillStyleLst>
+        <a:solidFill>
+          <a:schemeClr val="phClr"/>
+        </a:solidFill>
+        <a:solidFill>
+          <a:schemeClr val="phClr">
+            <a:tint val="95000"/>
+            <a:satMod val="170000"/>
+          </a:schemeClr>
+        </a:solidFill>
+        <a:gradFill rotWithShape="1">
+          <a:gsLst>
+            <a:gs pos="0">
+              <a:schemeClr val="phClr">
+                <a:tint val="93000"/>
+                <a:satMod val="150000"/>
+                <a:shade val="98000"/>
+                <a:lumMod val="102000"/>
+              </a:schemeClr>
+            </a:gs>
+            <a:gs pos="50000">
+              <a:schemeClr val="phClr">
+                <a:tint val="98000"/>
+                <a:satMod val="130000"/>
+                <a:shade val="90000"/>
+                <a:lumMod val="103000"/>
+              </a:schemeClr>
+            </a:gs>
+            <a:gs pos="100000">
+              <a:schemeClr val="phClr">
+                <a:shade val="63000"/>
+                <a:satMod val="120000"/>
+              </a:schemeClr>
+            </a:gs>
+          </a:gsLst>
+          <a:lin ang="5400000" scaled="0"/>
+        </a:gradFill>
+      </a:bgFillStyleLst>
+    </a:fmtScheme>
+  </a:themeElements>
+  <a:objectDefaults/>
+  <a:extraClrSchemeLst/>
+  <a:extLst>
+    <a:ext uri="{05A4C25C-085E-4340-85A3-A5531E510DB2}">
+      <thm15:themeFamily xmlns:thm15="http://schemas.microsoft.com/office/thememl/2012/main" name="Office Theme" id="{62F939B6-93AF-4DB8-9C6B-D6C7DFDC589F}" vid="{4A3C46E8-61CC-4603-A589-7422A47A8E4A}"/>
+    </a:ext>
+  </a:extLst>
+</a:theme>
 </file>